--- a/Documentation/Poster.pptx
+++ b/Documentation/Poster.pptx
@@ -2,12 +2,12 @@
 <file path=ppt/presentation.xml><?xml version="1.0" encoding="utf-8"?>
 <p:presentation xmlns:a="http://schemas.openxmlformats.org/drawingml/2006/main" xmlns:r="http://schemas.openxmlformats.org/officeDocument/2006/relationships" xmlns:p="http://schemas.openxmlformats.org/presentationml/2006/main" saveSubsetFonts="1">
   <p:sldMasterIdLst>
-    <p:sldMasterId id="2147483672" r:id="rId1"/>
+    <p:sldMasterId id="2147483684" r:id="rId1"/>
   </p:sldMasterIdLst>
   <p:sldIdLst>
     <p:sldId id="256" r:id="rId2"/>
   </p:sldIdLst>
-  <p:sldSz cx="42803763" cy="30275213"/>
+  <p:sldSz cx="30275213" cy="21383625"/>
   <p:notesSz cx="6858000" cy="9144000"/>
   <p:defaultTextStyle>
     <a:defPPr>
@@ -2041,15 +2041,15 @@
         </p:nvSpPr>
         <p:spPr>
           <a:xfrm>
-            <a:off x="3210282" y="4954765"/>
-            <a:ext cx="36383199" cy="10540259"/>
+            <a:off x="2270641" y="3499590"/>
+            <a:ext cx="25733931" cy="7444669"/>
           </a:xfrm>
         </p:spPr>
         <p:txBody>
           <a:bodyPr anchor="b"/>
           <a:lstStyle>
             <a:lvl1pPr algn="ctr">
-              <a:defRPr sz="26488"/>
+              <a:defRPr sz="18709"/>
             </a:lvl1pPr>
           </a:lstStyle>
           <a:p>
@@ -2073,8 +2073,8 @@
         </p:nvSpPr>
         <p:spPr>
           <a:xfrm>
-            <a:off x="5350471" y="15901497"/>
-            <a:ext cx="32102822" cy="7309499"/>
+            <a:off x="3784402" y="11231355"/>
+            <a:ext cx="22706410" cy="5162758"/>
           </a:xfrm>
         </p:spPr>
         <p:txBody>
@@ -2082,39 +2082,39 @@
           <a:lstStyle>
             <a:lvl1pPr marL="0" indent="0" algn="ctr">
               <a:buNone/>
-              <a:defRPr sz="10595"/>
+              <a:defRPr sz="7483"/>
             </a:lvl1pPr>
-            <a:lvl2pPr marL="2018355" indent="0" algn="ctr">
+            <a:lvl2pPr marL="1425595" indent="0" algn="ctr">
               <a:buNone/>
-              <a:defRPr sz="8829"/>
+              <a:defRPr sz="6236"/>
             </a:lvl2pPr>
-            <a:lvl3pPr marL="4036710" indent="0" algn="ctr">
+            <a:lvl3pPr marL="2851191" indent="0" algn="ctr">
               <a:buNone/>
-              <a:defRPr sz="7946"/>
+              <a:defRPr sz="5613"/>
             </a:lvl3pPr>
-            <a:lvl4pPr marL="6055065" indent="0" algn="ctr">
+            <a:lvl4pPr marL="4276786" indent="0" algn="ctr">
               <a:buNone/>
-              <a:defRPr sz="7063"/>
+              <a:defRPr sz="4989"/>
             </a:lvl4pPr>
-            <a:lvl5pPr marL="8073420" indent="0" algn="ctr">
+            <a:lvl5pPr marL="5702381" indent="0" algn="ctr">
               <a:buNone/>
-              <a:defRPr sz="7063"/>
+              <a:defRPr sz="4989"/>
             </a:lvl5pPr>
-            <a:lvl6pPr marL="10091776" indent="0" algn="ctr">
+            <a:lvl6pPr marL="7127977" indent="0" algn="ctr">
               <a:buNone/>
-              <a:defRPr sz="7063"/>
+              <a:defRPr sz="4989"/>
             </a:lvl6pPr>
-            <a:lvl7pPr marL="12110131" indent="0" algn="ctr">
+            <a:lvl7pPr marL="8553572" indent="0" algn="ctr">
               <a:buNone/>
-              <a:defRPr sz="7063"/>
+              <a:defRPr sz="4989"/>
             </a:lvl7pPr>
-            <a:lvl8pPr marL="14128486" indent="0" algn="ctr">
+            <a:lvl8pPr marL="9979167" indent="0" algn="ctr">
               <a:buNone/>
-              <a:defRPr sz="7063"/>
+              <a:defRPr sz="4989"/>
             </a:lvl8pPr>
-            <a:lvl9pPr marL="16146841" indent="0" algn="ctr">
+            <a:lvl9pPr marL="11404763" indent="0" algn="ctr">
               <a:buNone/>
-              <a:defRPr sz="7063"/>
+              <a:defRPr sz="4989"/>
             </a:lvl9pPr>
           </a:lstStyle>
           <a:p>
@@ -2143,7 +2143,7 @@
           <a:p>
             <a:fld id="{F68A74C0-A77B-486C-B85D-5AF523B0F037}" type="datetimeFigureOut">
               <a:rPr lang="en-GB" smtClean="0"/>
-              <a:t>18/11/2019</a:t>
+              <a:t>25/11/2019</a:t>
             </a:fld>
             <a:endParaRPr lang="en-GB"/>
           </a:p>
@@ -2194,7 +2194,7 @@
     </p:spTree>
     <p:extLst>
       <p:ext uri="{BB962C8B-B14F-4D97-AF65-F5344CB8AC3E}">
-        <p14:creationId xmlns:p14="http://schemas.microsoft.com/office/powerpoint/2010/main" val="2316212114"/>
+        <p14:creationId xmlns:p14="http://schemas.microsoft.com/office/powerpoint/2010/main" val="1504089033"/>
       </p:ext>
     </p:extLst>
   </p:cSld>
@@ -2313,7 +2313,7 @@
           <a:p>
             <a:fld id="{F68A74C0-A77B-486C-B85D-5AF523B0F037}" type="datetimeFigureOut">
               <a:rPr lang="en-GB" smtClean="0"/>
-              <a:t>18/11/2019</a:t>
+              <a:t>25/11/2019</a:t>
             </a:fld>
             <a:endParaRPr lang="en-GB"/>
           </a:p>
@@ -2364,7 +2364,7 @@
     </p:spTree>
     <p:extLst>
       <p:ext uri="{BB962C8B-B14F-4D97-AF65-F5344CB8AC3E}">
-        <p14:creationId xmlns:p14="http://schemas.microsoft.com/office/powerpoint/2010/main" val="1810692304"/>
+        <p14:creationId xmlns:p14="http://schemas.microsoft.com/office/powerpoint/2010/main" val="1187341272"/>
       </p:ext>
     </p:extLst>
   </p:cSld>
@@ -2403,8 +2403,8 @@
         </p:nvSpPr>
         <p:spPr>
           <a:xfrm>
-            <a:off x="30631445" y="1611875"/>
-            <a:ext cx="9229561" cy="25656844"/>
+            <a:off x="21665701" y="1138480"/>
+            <a:ext cx="6528093" cy="18121634"/>
           </a:xfrm>
         </p:spPr>
         <p:txBody>
@@ -2431,8 +2431,8 @@
         </p:nvSpPr>
         <p:spPr>
           <a:xfrm>
-            <a:off x="2942761" y="1611875"/>
-            <a:ext cx="27153637" cy="25656844"/>
+            <a:off x="2081423" y="1138480"/>
+            <a:ext cx="19205838" cy="18121634"/>
           </a:xfrm>
         </p:spPr>
         <p:txBody>
@@ -2493,7 +2493,7 @@
           <a:p>
             <a:fld id="{F68A74C0-A77B-486C-B85D-5AF523B0F037}" type="datetimeFigureOut">
               <a:rPr lang="en-GB" smtClean="0"/>
-              <a:t>18/11/2019</a:t>
+              <a:t>25/11/2019</a:t>
             </a:fld>
             <a:endParaRPr lang="en-GB"/>
           </a:p>
@@ -2544,7 +2544,7 @@
     </p:spTree>
     <p:extLst>
       <p:ext uri="{BB962C8B-B14F-4D97-AF65-F5344CB8AC3E}">
-        <p14:creationId xmlns:p14="http://schemas.microsoft.com/office/powerpoint/2010/main" val="1392467630"/>
+        <p14:creationId xmlns:p14="http://schemas.microsoft.com/office/powerpoint/2010/main" val="3923703580"/>
       </p:ext>
     </p:extLst>
   </p:cSld>
@@ -2663,7 +2663,7 @@
           <a:p>
             <a:fld id="{F68A74C0-A77B-486C-B85D-5AF523B0F037}" type="datetimeFigureOut">
               <a:rPr lang="en-GB" smtClean="0"/>
-              <a:t>18/11/2019</a:t>
+              <a:t>25/11/2019</a:t>
             </a:fld>
             <a:endParaRPr lang="en-GB"/>
           </a:p>
@@ -2714,7 +2714,7 @@
     </p:spTree>
     <p:extLst>
       <p:ext uri="{BB962C8B-B14F-4D97-AF65-F5344CB8AC3E}">
-        <p14:creationId xmlns:p14="http://schemas.microsoft.com/office/powerpoint/2010/main" val="2307181977"/>
+        <p14:creationId xmlns:p14="http://schemas.microsoft.com/office/powerpoint/2010/main" val="1455847519"/>
       </p:ext>
     </p:extLst>
   </p:cSld>
@@ -2753,15 +2753,15 @@
         </p:nvSpPr>
         <p:spPr>
           <a:xfrm>
-            <a:off x="2920467" y="7547788"/>
-            <a:ext cx="36918246" cy="12593645"/>
+            <a:off x="2065654" y="5331063"/>
+            <a:ext cx="26112371" cy="8894992"/>
           </a:xfrm>
         </p:spPr>
         <p:txBody>
           <a:bodyPr anchor="b"/>
           <a:lstStyle>
             <a:lvl1pPr>
-              <a:defRPr sz="26488"/>
+              <a:defRPr sz="18709"/>
             </a:lvl1pPr>
           </a:lstStyle>
           <a:p>
@@ -2785,8 +2785,8 @@
         </p:nvSpPr>
         <p:spPr>
           <a:xfrm>
-            <a:off x="2920467" y="20260574"/>
-            <a:ext cx="36918246" cy="6622701"/>
+            <a:off x="2065654" y="14310205"/>
+            <a:ext cx="26112371" cy="4677666"/>
           </a:xfrm>
         </p:spPr>
         <p:txBody>
@@ -2794,15 +2794,15 @@
           <a:lstStyle>
             <a:lvl1pPr marL="0" indent="0">
               <a:buNone/>
-              <a:defRPr sz="10595">
+              <a:defRPr sz="7483">
                 <a:solidFill>
                   <a:schemeClr val="tx1"/>
                 </a:solidFill>
               </a:defRPr>
             </a:lvl1pPr>
-            <a:lvl2pPr marL="2018355" indent="0">
+            <a:lvl2pPr marL="1425595" indent="0">
               <a:buNone/>
-              <a:defRPr sz="8829">
+              <a:defRPr sz="6236">
                 <a:solidFill>
                   <a:schemeClr val="tx1">
                     <a:tint val="75000"/>
@@ -2810,9 +2810,9 @@
                 </a:solidFill>
               </a:defRPr>
             </a:lvl2pPr>
-            <a:lvl3pPr marL="4036710" indent="0">
+            <a:lvl3pPr marL="2851191" indent="0">
               <a:buNone/>
-              <a:defRPr sz="7946">
+              <a:defRPr sz="5613">
                 <a:solidFill>
                   <a:schemeClr val="tx1">
                     <a:tint val="75000"/>
@@ -2820,9 +2820,9 @@
                 </a:solidFill>
               </a:defRPr>
             </a:lvl3pPr>
-            <a:lvl4pPr marL="6055065" indent="0">
+            <a:lvl4pPr marL="4276786" indent="0">
               <a:buNone/>
-              <a:defRPr sz="7063">
+              <a:defRPr sz="4989">
                 <a:solidFill>
                   <a:schemeClr val="tx1">
                     <a:tint val="75000"/>
@@ -2830,9 +2830,9 @@
                 </a:solidFill>
               </a:defRPr>
             </a:lvl4pPr>
-            <a:lvl5pPr marL="8073420" indent="0">
+            <a:lvl5pPr marL="5702381" indent="0">
               <a:buNone/>
-              <a:defRPr sz="7063">
+              <a:defRPr sz="4989">
                 <a:solidFill>
                   <a:schemeClr val="tx1">
                     <a:tint val="75000"/>
@@ -2840,9 +2840,9 @@
                 </a:solidFill>
               </a:defRPr>
             </a:lvl5pPr>
-            <a:lvl6pPr marL="10091776" indent="0">
+            <a:lvl6pPr marL="7127977" indent="0">
               <a:buNone/>
-              <a:defRPr sz="7063">
+              <a:defRPr sz="4989">
                 <a:solidFill>
                   <a:schemeClr val="tx1">
                     <a:tint val="75000"/>
@@ -2850,9 +2850,9 @@
                 </a:solidFill>
               </a:defRPr>
             </a:lvl6pPr>
-            <a:lvl7pPr marL="12110131" indent="0">
+            <a:lvl7pPr marL="8553572" indent="0">
               <a:buNone/>
-              <a:defRPr sz="7063">
+              <a:defRPr sz="4989">
                 <a:solidFill>
                   <a:schemeClr val="tx1">
                     <a:tint val="75000"/>
@@ -2860,9 +2860,9 @@
                 </a:solidFill>
               </a:defRPr>
             </a:lvl7pPr>
-            <a:lvl8pPr marL="14128486" indent="0">
+            <a:lvl8pPr marL="9979167" indent="0">
               <a:buNone/>
-              <a:defRPr sz="7063">
+              <a:defRPr sz="4989">
                 <a:solidFill>
                   <a:schemeClr val="tx1">
                     <a:tint val="75000"/>
@@ -2870,9 +2870,9 @@
                 </a:solidFill>
               </a:defRPr>
             </a:lvl8pPr>
-            <a:lvl9pPr marL="16146841" indent="0">
+            <a:lvl9pPr marL="11404763" indent="0">
               <a:buNone/>
-              <a:defRPr sz="7063">
+              <a:defRPr sz="4989">
                 <a:solidFill>
                   <a:schemeClr val="tx1">
                     <a:tint val="75000"/>
@@ -2907,7 +2907,7 @@
           <a:p>
             <a:fld id="{F68A74C0-A77B-486C-B85D-5AF523B0F037}" type="datetimeFigureOut">
               <a:rPr lang="en-GB" smtClean="0"/>
-              <a:t>18/11/2019</a:t>
+              <a:t>25/11/2019</a:t>
             </a:fld>
             <a:endParaRPr lang="en-GB"/>
           </a:p>
@@ -2958,7 +2958,7 @@
     </p:spTree>
     <p:extLst>
       <p:ext uri="{BB962C8B-B14F-4D97-AF65-F5344CB8AC3E}">
-        <p14:creationId xmlns:p14="http://schemas.microsoft.com/office/powerpoint/2010/main" val="3610461543"/>
+        <p14:creationId xmlns:p14="http://schemas.microsoft.com/office/powerpoint/2010/main" val="2207262966"/>
       </p:ext>
     </p:extLst>
   </p:cSld>
@@ -3020,8 +3020,8 @@
         </p:nvSpPr>
         <p:spPr>
           <a:xfrm>
-            <a:off x="2942759" y="8059374"/>
-            <a:ext cx="18191599" cy="19209345"/>
+            <a:off x="2081421" y="5692400"/>
+            <a:ext cx="12866966" cy="13567714"/>
           </a:xfrm>
         </p:spPr>
         <p:txBody>
@@ -3077,8 +3077,8 @@
         </p:nvSpPr>
         <p:spPr>
           <a:xfrm>
-            <a:off x="21669405" y="8059374"/>
-            <a:ext cx="18191599" cy="19209345"/>
+            <a:off x="15326826" y="5692400"/>
+            <a:ext cx="12866966" cy="13567714"/>
           </a:xfrm>
         </p:spPr>
         <p:txBody>
@@ -3139,7 +3139,7 @@
           <a:p>
             <a:fld id="{F68A74C0-A77B-486C-B85D-5AF523B0F037}" type="datetimeFigureOut">
               <a:rPr lang="en-GB" smtClean="0"/>
-              <a:t>18/11/2019</a:t>
+              <a:t>25/11/2019</a:t>
             </a:fld>
             <a:endParaRPr lang="en-GB"/>
           </a:p>
@@ -3190,7 +3190,7 @@
     </p:spTree>
     <p:extLst>
       <p:ext uri="{BB962C8B-B14F-4D97-AF65-F5344CB8AC3E}">
-        <p14:creationId xmlns:p14="http://schemas.microsoft.com/office/powerpoint/2010/main" val="2288260979"/>
+        <p14:creationId xmlns:p14="http://schemas.microsoft.com/office/powerpoint/2010/main" val="1848146660"/>
       </p:ext>
     </p:extLst>
   </p:cSld>
@@ -3229,8 +3229,8 @@
         </p:nvSpPr>
         <p:spPr>
           <a:xfrm>
-            <a:off x="2948334" y="1611882"/>
-            <a:ext cx="36918246" cy="5851808"/>
+            <a:off x="2085364" y="1138485"/>
+            <a:ext cx="26112371" cy="4133179"/>
           </a:xfrm>
         </p:spPr>
         <p:txBody>
@@ -3257,8 +3257,8 @@
         </p:nvSpPr>
         <p:spPr>
           <a:xfrm>
-            <a:off x="2948339" y="7421634"/>
-            <a:ext cx="18107995" cy="3637228"/>
+            <a:off x="2085368" y="5241960"/>
+            <a:ext cx="12807832" cy="2569003"/>
           </a:xfrm>
         </p:spPr>
         <p:txBody>
@@ -3266,39 +3266,39 @@
           <a:lstStyle>
             <a:lvl1pPr marL="0" indent="0">
               <a:buNone/>
-              <a:defRPr sz="10595" b="1"/>
+              <a:defRPr sz="7483" b="1"/>
             </a:lvl1pPr>
-            <a:lvl2pPr marL="2018355" indent="0">
+            <a:lvl2pPr marL="1425595" indent="0">
               <a:buNone/>
-              <a:defRPr sz="8829" b="1"/>
+              <a:defRPr sz="6236" b="1"/>
             </a:lvl2pPr>
-            <a:lvl3pPr marL="4036710" indent="0">
+            <a:lvl3pPr marL="2851191" indent="0">
               <a:buNone/>
-              <a:defRPr sz="7946" b="1"/>
+              <a:defRPr sz="5613" b="1"/>
             </a:lvl3pPr>
-            <a:lvl4pPr marL="6055065" indent="0">
+            <a:lvl4pPr marL="4276786" indent="0">
               <a:buNone/>
-              <a:defRPr sz="7063" b="1"/>
+              <a:defRPr sz="4989" b="1"/>
             </a:lvl4pPr>
-            <a:lvl5pPr marL="8073420" indent="0">
+            <a:lvl5pPr marL="5702381" indent="0">
               <a:buNone/>
-              <a:defRPr sz="7063" b="1"/>
+              <a:defRPr sz="4989" b="1"/>
             </a:lvl5pPr>
-            <a:lvl6pPr marL="10091776" indent="0">
+            <a:lvl6pPr marL="7127977" indent="0">
               <a:buNone/>
-              <a:defRPr sz="7063" b="1"/>
+              <a:defRPr sz="4989" b="1"/>
             </a:lvl6pPr>
-            <a:lvl7pPr marL="12110131" indent="0">
+            <a:lvl7pPr marL="8553572" indent="0">
               <a:buNone/>
-              <a:defRPr sz="7063" b="1"/>
+              <a:defRPr sz="4989" b="1"/>
             </a:lvl7pPr>
-            <a:lvl8pPr marL="14128486" indent="0">
+            <a:lvl8pPr marL="9979167" indent="0">
               <a:buNone/>
-              <a:defRPr sz="7063" b="1"/>
+              <a:defRPr sz="4989" b="1"/>
             </a:lvl8pPr>
-            <a:lvl9pPr marL="16146841" indent="0">
+            <a:lvl9pPr marL="11404763" indent="0">
               <a:buNone/>
-              <a:defRPr sz="7063" b="1"/>
+              <a:defRPr sz="4989" b="1"/>
             </a:lvl9pPr>
           </a:lstStyle>
           <a:p>
@@ -3322,8 +3322,8 @@
         </p:nvSpPr>
         <p:spPr>
           <a:xfrm>
-            <a:off x="2948339" y="11058863"/>
-            <a:ext cx="18107995" cy="16265921"/>
+            <a:off x="2085368" y="7810963"/>
+            <a:ext cx="12807832" cy="11488750"/>
           </a:xfrm>
         </p:spPr>
         <p:txBody>
@@ -3379,8 +3379,8 @@
         </p:nvSpPr>
         <p:spPr>
           <a:xfrm>
-            <a:off x="21669408" y="7421634"/>
-            <a:ext cx="18197174" cy="3637228"/>
+            <a:off x="15326828" y="5241960"/>
+            <a:ext cx="12870909" cy="2569003"/>
           </a:xfrm>
         </p:spPr>
         <p:txBody>
@@ -3388,39 +3388,39 @@
           <a:lstStyle>
             <a:lvl1pPr marL="0" indent="0">
               <a:buNone/>
-              <a:defRPr sz="10595" b="1"/>
+              <a:defRPr sz="7483" b="1"/>
             </a:lvl1pPr>
-            <a:lvl2pPr marL="2018355" indent="0">
+            <a:lvl2pPr marL="1425595" indent="0">
               <a:buNone/>
-              <a:defRPr sz="8829" b="1"/>
+              <a:defRPr sz="6236" b="1"/>
             </a:lvl2pPr>
-            <a:lvl3pPr marL="4036710" indent="0">
+            <a:lvl3pPr marL="2851191" indent="0">
               <a:buNone/>
-              <a:defRPr sz="7946" b="1"/>
+              <a:defRPr sz="5613" b="1"/>
             </a:lvl3pPr>
-            <a:lvl4pPr marL="6055065" indent="0">
+            <a:lvl4pPr marL="4276786" indent="0">
               <a:buNone/>
-              <a:defRPr sz="7063" b="1"/>
+              <a:defRPr sz="4989" b="1"/>
             </a:lvl4pPr>
-            <a:lvl5pPr marL="8073420" indent="0">
+            <a:lvl5pPr marL="5702381" indent="0">
               <a:buNone/>
-              <a:defRPr sz="7063" b="1"/>
+              <a:defRPr sz="4989" b="1"/>
             </a:lvl5pPr>
-            <a:lvl6pPr marL="10091776" indent="0">
+            <a:lvl6pPr marL="7127977" indent="0">
               <a:buNone/>
-              <a:defRPr sz="7063" b="1"/>
+              <a:defRPr sz="4989" b="1"/>
             </a:lvl6pPr>
-            <a:lvl7pPr marL="12110131" indent="0">
+            <a:lvl7pPr marL="8553572" indent="0">
               <a:buNone/>
-              <a:defRPr sz="7063" b="1"/>
+              <a:defRPr sz="4989" b="1"/>
             </a:lvl7pPr>
-            <a:lvl8pPr marL="14128486" indent="0">
+            <a:lvl8pPr marL="9979167" indent="0">
               <a:buNone/>
-              <a:defRPr sz="7063" b="1"/>
+              <a:defRPr sz="4989" b="1"/>
             </a:lvl8pPr>
-            <a:lvl9pPr marL="16146841" indent="0">
+            <a:lvl9pPr marL="11404763" indent="0">
               <a:buNone/>
-              <a:defRPr sz="7063" b="1"/>
+              <a:defRPr sz="4989" b="1"/>
             </a:lvl9pPr>
           </a:lstStyle>
           <a:p>
@@ -3444,8 +3444,8 @@
         </p:nvSpPr>
         <p:spPr>
           <a:xfrm>
-            <a:off x="21669408" y="11058863"/>
-            <a:ext cx="18197174" cy="16265921"/>
+            <a:off x="15326828" y="7810963"/>
+            <a:ext cx="12870909" cy="11488750"/>
           </a:xfrm>
         </p:spPr>
         <p:txBody>
@@ -3506,7 +3506,7 @@
           <a:p>
             <a:fld id="{F68A74C0-A77B-486C-B85D-5AF523B0F037}" type="datetimeFigureOut">
               <a:rPr lang="en-GB" smtClean="0"/>
-              <a:t>18/11/2019</a:t>
+              <a:t>25/11/2019</a:t>
             </a:fld>
             <a:endParaRPr lang="en-GB"/>
           </a:p>
@@ -3557,7 +3557,7 @@
     </p:spTree>
     <p:extLst>
       <p:ext uri="{BB962C8B-B14F-4D97-AF65-F5344CB8AC3E}">
-        <p14:creationId xmlns:p14="http://schemas.microsoft.com/office/powerpoint/2010/main" val="44979251"/>
+        <p14:creationId xmlns:p14="http://schemas.microsoft.com/office/powerpoint/2010/main" val="162612750"/>
       </p:ext>
     </p:extLst>
   </p:cSld>
@@ -3624,7 +3624,7 @@
           <a:p>
             <a:fld id="{F68A74C0-A77B-486C-B85D-5AF523B0F037}" type="datetimeFigureOut">
               <a:rPr lang="en-GB" smtClean="0"/>
-              <a:t>18/11/2019</a:t>
+              <a:t>25/11/2019</a:t>
             </a:fld>
             <a:endParaRPr lang="en-GB"/>
           </a:p>
@@ -3675,7 +3675,7 @@
     </p:spTree>
     <p:extLst>
       <p:ext uri="{BB962C8B-B14F-4D97-AF65-F5344CB8AC3E}">
-        <p14:creationId xmlns:p14="http://schemas.microsoft.com/office/powerpoint/2010/main" val="1104437957"/>
+        <p14:creationId xmlns:p14="http://schemas.microsoft.com/office/powerpoint/2010/main" val="412978440"/>
       </p:ext>
     </p:extLst>
   </p:cSld>
@@ -3719,7 +3719,7 @@
           <a:p>
             <a:fld id="{F68A74C0-A77B-486C-B85D-5AF523B0F037}" type="datetimeFigureOut">
               <a:rPr lang="en-GB" smtClean="0"/>
-              <a:t>18/11/2019</a:t>
+              <a:t>25/11/2019</a:t>
             </a:fld>
             <a:endParaRPr lang="en-GB"/>
           </a:p>
@@ -3770,7 +3770,7 @@
     </p:spTree>
     <p:extLst>
       <p:ext uri="{BB962C8B-B14F-4D97-AF65-F5344CB8AC3E}">
-        <p14:creationId xmlns:p14="http://schemas.microsoft.com/office/powerpoint/2010/main" val="3819031303"/>
+        <p14:creationId xmlns:p14="http://schemas.microsoft.com/office/powerpoint/2010/main" val="2243697561"/>
       </p:ext>
     </p:extLst>
   </p:cSld>
@@ -3809,15 +3809,15 @@
         </p:nvSpPr>
         <p:spPr>
           <a:xfrm>
-            <a:off x="2948334" y="2018348"/>
-            <a:ext cx="13805328" cy="7064216"/>
+            <a:off x="2085364" y="1425575"/>
+            <a:ext cx="9764544" cy="4989513"/>
           </a:xfrm>
         </p:spPr>
         <p:txBody>
           <a:bodyPr anchor="b"/>
           <a:lstStyle>
             <a:lvl1pPr>
-              <a:defRPr sz="14127"/>
+              <a:defRPr sz="9978"/>
             </a:lvl1pPr>
           </a:lstStyle>
           <a:p>
@@ -3841,39 +3841,39 @@
         </p:nvSpPr>
         <p:spPr>
           <a:xfrm>
-            <a:off x="18197174" y="4359077"/>
-            <a:ext cx="21669405" cy="21515024"/>
+            <a:off x="12870909" y="3078850"/>
+            <a:ext cx="15326827" cy="15196234"/>
           </a:xfrm>
         </p:spPr>
         <p:txBody>
           <a:bodyPr/>
           <a:lstStyle>
             <a:lvl1pPr>
-              <a:defRPr sz="14127"/>
+              <a:defRPr sz="9978"/>
             </a:lvl1pPr>
             <a:lvl2pPr>
-              <a:defRPr sz="12361"/>
+              <a:defRPr sz="8731"/>
             </a:lvl2pPr>
             <a:lvl3pPr>
-              <a:defRPr sz="10595"/>
+              <a:defRPr sz="7483"/>
             </a:lvl3pPr>
             <a:lvl4pPr>
-              <a:defRPr sz="8829"/>
+              <a:defRPr sz="6236"/>
             </a:lvl4pPr>
             <a:lvl5pPr>
-              <a:defRPr sz="8829"/>
+              <a:defRPr sz="6236"/>
             </a:lvl5pPr>
             <a:lvl6pPr>
-              <a:defRPr sz="8829"/>
+              <a:defRPr sz="6236"/>
             </a:lvl6pPr>
             <a:lvl7pPr>
-              <a:defRPr sz="8829"/>
+              <a:defRPr sz="6236"/>
             </a:lvl7pPr>
             <a:lvl8pPr>
-              <a:defRPr sz="8829"/>
+              <a:defRPr sz="6236"/>
             </a:lvl8pPr>
             <a:lvl9pPr>
-              <a:defRPr sz="8829"/>
+              <a:defRPr sz="6236"/>
             </a:lvl9pPr>
           </a:lstStyle>
           <a:p>
@@ -3926,8 +3926,8 @@
         </p:nvSpPr>
         <p:spPr>
           <a:xfrm>
-            <a:off x="2948334" y="9082564"/>
-            <a:ext cx="13805328" cy="16826573"/>
+            <a:off x="2085364" y="6415088"/>
+            <a:ext cx="9764544" cy="11884743"/>
           </a:xfrm>
         </p:spPr>
         <p:txBody>
@@ -3935,39 +3935,39 @@
           <a:lstStyle>
             <a:lvl1pPr marL="0" indent="0">
               <a:buNone/>
-              <a:defRPr sz="7063"/>
+              <a:defRPr sz="4989"/>
             </a:lvl1pPr>
-            <a:lvl2pPr marL="2018355" indent="0">
+            <a:lvl2pPr marL="1425595" indent="0">
               <a:buNone/>
-              <a:defRPr sz="6180"/>
+              <a:defRPr sz="4365"/>
             </a:lvl2pPr>
-            <a:lvl3pPr marL="4036710" indent="0">
+            <a:lvl3pPr marL="2851191" indent="0">
               <a:buNone/>
-              <a:defRPr sz="5298"/>
+              <a:defRPr sz="3742"/>
             </a:lvl3pPr>
-            <a:lvl4pPr marL="6055065" indent="0">
+            <a:lvl4pPr marL="4276786" indent="0">
               <a:buNone/>
-              <a:defRPr sz="4415"/>
+              <a:defRPr sz="3118"/>
             </a:lvl4pPr>
-            <a:lvl5pPr marL="8073420" indent="0">
+            <a:lvl5pPr marL="5702381" indent="0">
               <a:buNone/>
-              <a:defRPr sz="4415"/>
+              <a:defRPr sz="3118"/>
             </a:lvl5pPr>
-            <a:lvl6pPr marL="10091776" indent="0">
+            <a:lvl6pPr marL="7127977" indent="0">
               <a:buNone/>
-              <a:defRPr sz="4415"/>
+              <a:defRPr sz="3118"/>
             </a:lvl6pPr>
-            <a:lvl7pPr marL="12110131" indent="0">
+            <a:lvl7pPr marL="8553572" indent="0">
               <a:buNone/>
-              <a:defRPr sz="4415"/>
+              <a:defRPr sz="3118"/>
             </a:lvl7pPr>
-            <a:lvl8pPr marL="14128486" indent="0">
+            <a:lvl8pPr marL="9979167" indent="0">
               <a:buNone/>
-              <a:defRPr sz="4415"/>
+              <a:defRPr sz="3118"/>
             </a:lvl8pPr>
-            <a:lvl9pPr marL="16146841" indent="0">
+            <a:lvl9pPr marL="11404763" indent="0">
               <a:buNone/>
-              <a:defRPr sz="4415"/>
+              <a:defRPr sz="3118"/>
             </a:lvl9pPr>
           </a:lstStyle>
           <a:p>
@@ -3996,7 +3996,7 @@
           <a:p>
             <a:fld id="{F68A74C0-A77B-486C-B85D-5AF523B0F037}" type="datetimeFigureOut">
               <a:rPr lang="en-GB" smtClean="0"/>
-              <a:t>18/11/2019</a:t>
+              <a:t>25/11/2019</a:t>
             </a:fld>
             <a:endParaRPr lang="en-GB"/>
           </a:p>
@@ -4047,7 +4047,7 @@
     </p:spTree>
     <p:extLst>
       <p:ext uri="{BB962C8B-B14F-4D97-AF65-F5344CB8AC3E}">
-        <p14:creationId xmlns:p14="http://schemas.microsoft.com/office/powerpoint/2010/main" val="1664232781"/>
+        <p14:creationId xmlns:p14="http://schemas.microsoft.com/office/powerpoint/2010/main" val="1108833714"/>
       </p:ext>
     </p:extLst>
   </p:cSld>
@@ -4086,15 +4086,15 @@
         </p:nvSpPr>
         <p:spPr>
           <a:xfrm>
-            <a:off x="2948334" y="2018348"/>
-            <a:ext cx="13805328" cy="7064216"/>
+            <a:off x="2085364" y="1425575"/>
+            <a:ext cx="9764544" cy="4989513"/>
           </a:xfrm>
         </p:spPr>
         <p:txBody>
           <a:bodyPr anchor="b"/>
           <a:lstStyle>
             <a:lvl1pPr>
-              <a:defRPr sz="14127"/>
+              <a:defRPr sz="9978"/>
             </a:lvl1pPr>
           </a:lstStyle>
           <a:p>
@@ -4118,8 +4118,8 @@
         </p:nvSpPr>
         <p:spPr>
           <a:xfrm>
-            <a:off x="18197174" y="4359077"/>
-            <a:ext cx="21669405" cy="21515024"/>
+            <a:off x="12870909" y="3078850"/>
+            <a:ext cx="15326827" cy="15196234"/>
           </a:xfrm>
         </p:spPr>
         <p:txBody>
@@ -4127,39 +4127,39 @@
           <a:lstStyle>
             <a:lvl1pPr marL="0" indent="0">
               <a:buNone/>
-              <a:defRPr sz="14127"/>
+              <a:defRPr sz="9978"/>
             </a:lvl1pPr>
-            <a:lvl2pPr marL="2018355" indent="0">
+            <a:lvl2pPr marL="1425595" indent="0">
               <a:buNone/>
-              <a:defRPr sz="12361"/>
+              <a:defRPr sz="8731"/>
             </a:lvl2pPr>
-            <a:lvl3pPr marL="4036710" indent="0">
+            <a:lvl3pPr marL="2851191" indent="0">
               <a:buNone/>
-              <a:defRPr sz="10595"/>
+              <a:defRPr sz="7483"/>
             </a:lvl3pPr>
-            <a:lvl4pPr marL="6055065" indent="0">
+            <a:lvl4pPr marL="4276786" indent="0">
               <a:buNone/>
-              <a:defRPr sz="8829"/>
+              <a:defRPr sz="6236"/>
             </a:lvl4pPr>
-            <a:lvl5pPr marL="8073420" indent="0">
+            <a:lvl5pPr marL="5702381" indent="0">
               <a:buNone/>
-              <a:defRPr sz="8829"/>
+              <a:defRPr sz="6236"/>
             </a:lvl5pPr>
-            <a:lvl6pPr marL="10091776" indent="0">
+            <a:lvl6pPr marL="7127977" indent="0">
               <a:buNone/>
-              <a:defRPr sz="8829"/>
+              <a:defRPr sz="6236"/>
             </a:lvl6pPr>
-            <a:lvl7pPr marL="12110131" indent="0">
+            <a:lvl7pPr marL="8553572" indent="0">
               <a:buNone/>
-              <a:defRPr sz="8829"/>
+              <a:defRPr sz="6236"/>
             </a:lvl7pPr>
-            <a:lvl8pPr marL="14128486" indent="0">
+            <a:lvl8pPr marL="9979167" indent="0">
               <a:buNone/>
-              <a:defRPr sz="8829"/>
+              <a:defRPr sz="6236"/>
             </a:lvl8pPr>
-            <a:lvl9pPr marL="16146841" indent="0">
+            <a:lvl9pPr marL="11404763" indent="0">
               <a:buNone/>
-              <a:defRPr sz="8829"/>
+              <a:defRPr sz="6236"/>
             </a:lvl9pPr>
           </a:lstStyle>
           <a:p>
@@ -4183,8 +4183,8 @@
         </p:nvSpPr>
         <p:spPr>
           <a:xfrm>
-            <a:off x="2948334" y="9082564"/>
-            <a:ext cx="13805328" cy="16826573"/>
+            <a:off x="2085364" y="6415088"/>
+            <a:ext cx="9764544" cy="11884743"/>
           </a:xfrm>
         </p:spPr>
         <p:txBody>
@@ -4192,39 +4192,39 @@
           <a:lstStyle>
             <a:lvl1pPr marL="0" indent="0">
               <a:buNone/>
-              <a:defRPr sz="7063"/>
+              <a:defRPr sz="4989"/>
             </a:lvl1pPr>
-            <a:lvl2pPr marL="2018355" indent="0">
+            <a:lvl2pPr marL="1425595" indent="0">
               <a:buNone/>
-              <a:defRPr sz="6180"/>
+              <a:defRPr sz="4365"/>
             </a:lvl2pPr>
-            <a:lvl3pPr marL="4036710" indent="0">
+            <a:lvl3pPr marL="2851191" indent="0">
               <a:buNone/>
-              <a:defRPr sz="5298"/>
+              <a:defRPr sz="3742"/>
             </a:lvl3pPr>
-            <a:lvl4pPr marL="6055065" indent="0">
+            <a:lvl4pPr marL="4276786" indent="0">
               <a:buNone/>
-              <a:defRPr sz="4415"/>
+              <a:defRPr sz="3118"/>
             </a:lvl4pPr>
-            <a:lvl5pPr marL="8073420" indent="0">
+            <a:lvl5pPr marL="5702381" indent="0">
               <a:buNone/>
-              <a:defRPr sz="4415"/>
+              <a:defRPr sz="3118"/>
             </a:lvl5pPr>
-            <a:lvl6pPr marL="10091776" indent="0">
+            <a:lvl6pPr marL="7127977" indent="0">
               <a:buNone/>
-              <a:defRPr sz="4415"/>
+              <a:defRPr sz="3118"/>
             </a:lvl6pPr>
-            <a:lvl7pPr marL="12110131" indent="0">
+            <a:lvl7pPr marL="8553572" indent="0">
               <a:buNone/>
-              <a:defRPr sz="4415"/>
+              <a:defRPr sz="3118"/>
             </a:lvl7pPr>
-            <a:lvl8pPr marL="14128486" indent="0">
+            <a:lvl8pPr marL="9979167" indent="0">
               <a:buNone/>
-              <a:defRPr sz="4415"/>
+              <a:defRPr sz="3118"/>
             </a:lvl8pPr>
-            <a:lvl9pPr marL="16146841" indent="0">
+            <a:lvl9pPr marL="11404763" indent="0">
               <a:buNone/>
-              <a:defRPr sz="4415"/>
+              <a:defRPr sz="3118"/>
             </a:lvl9pPr>
           </a:lstStyle>
           <a:p>
@@ -4253,7 +4253,7 @@
           <a:p>
             <a:fld id="{F68A74C0-A77B-486C-B85D-5AF523B0F037}" type="datetimeFigureOut">
               <a:rPr lang="en-GB" smtClean="0"/>
-              <a:t>18/11/2019</a:t>
+              <a:t>25/11/2019</a:t>
             </a:fld>
             <a:endParaRPr lang="en-GB"/>
           </a:p>
@@ -4304,7 +4304,7 @@
     </p:spTree>
     <p:extLst>
       <p:ext uri="{BB962C8B-B14F-4D97-AF65-F5344CB8AC3E}">
-        <p14:creationId xmlns:p14="http://schemas.microsoft.com/office/powerpoint/2010/main" val="891122969"/>
+        <p14:creationId xmlns:p14="http://schemas.microsoft.com/office/powerpoint/2010/main" val="2499811139"/>
       </p:ext>
     </p:extLst>
   </p:cSld>
@@ -4348,8 +4348,8 @@
         </p:nvSpPr>
         <p:spPr>
           <a:xfrm>
-            <a:off x="2942759" y="1611882"/>
-            <a:ext cx="36918246" cy="5851808"/>
+            <a:off x="2081421" y="1138485"/>
+            <a:ext cx="26112371" cy="4133179"/>
           </a:xfrm>
           <a:prstGeom prst="rect">
             <a:avLst/>
@@ -4381,8 +4381,8 @@
         </p:nvSpPr>
         <p:spPr>
           <a:xfrm>
-            <a:off x="2942759" y="8059374"/>
-            <a:ext cx="36918246" cy="19209345"/>
+            <a:off x="2081421" y="5692400"/>
+            <a:ext cx="26112371" cy="13567714"/>
           </a:xfrm>
           <a:prstGeom prst="rect">
             <a:avLst/>
@@ -4443,8 +4443,8 @@
         </p:nvSpPr>
         <p:spPr>
           <a:xfrm>
-            <a:off x="2942759" y="28060644"/>
-            <a:ext cx="9630847" cy="1611875"/>
+            <a:off x="2081421" y="19819457"/>
+            <a:ext cx="6811923" cy="1138480"/>
           </a:xfrm>
           <a:prstGeom prst="rect">
             <a:avLst/>
@@ -4454,7 +4454,7 @@
           <a:bodyPr vert="horz" lIns="91440" tIns="45720" rIns="91440" bIns="45720" rtlCol="0" anchor="ctr"/>
           <a:lstStyle>
             <a:lvl1pPr algn="l">
-              <a:defRPr sz="5298">
+              <a:defRPr sz="3742">
                 <a:solidFill>
                   <a:schemeClr val="tx1">
                     <a:tint val="75000"/>
@@ -4466,7 +4466,7 @@
           <a:p>
             <a:fld id="{F68A74C0-A77B-486C-B85D-5AF523B0F037}" type="datetimeFigureOut">
               <a:rPr lang="en-GB" smtClean="0"/>
-              <a:t>18/11/2019</a:t>
+              <a:t>25/11/2019</a:t>
             </a:fld>
             <a:endParaRPr lang="en-GB"/>
           </a:p>
@@ -4484,8 +4484,8 @@
         </p:nvSpPr>
         <p:spPr>
           <a:xfrm>
-            <a:off x="14178747" y="28060644"/>
-            <a:ext cx="14446270" cy="1611875"/>
+            <a:off x="10028665" y="19819457"/>
+            <a:ext cx="10217884" cy="1138480"/>
           </a:xfrm>
           <a:prstGeom prst="rect">
             <a:avLst/>
@@ -4495,7 +4495,7 @@
           <a:bodyPr vert="horz" lIns="91440" tIns="45720" rIns="91440" bIns="45720" rtlCol="0" anchor="ctr"/>
           <a:lstStyle>
             <a:lvl1pPr algn="ctr">
-              <a:defRPr sz="5298">
+              <a:defRPr sz="3742">
                 <a:solidFill>
                   <a:schemeClr val="tx1">
                     <a:tint val="75000"/>
@@ -4521,8 +4521,8 @@
         </p:nvSpPr>
         <p:spPr>
           <a:xfrm>
-            <a:off x="30230157" y="28060644"/>
-            <a:ext cx="9630847" cy="1611875"/>
+            <a:off x="21381869" y="19819457"/>
+            <a:ext cx="6811923" cy="1138480"/>
           </a:xfrm>
           <a:prstGeom prst="rect">
             <a:avLst/>
@@ -4532,7 +4532,7 @@
           <a:bodyPr vert="horz" lIns="91440" tIns="45720" rIns="91440" bIns="45720" rtlCol="0" anchor="ctr"/>
           <a:lstStyle>
             <a:lvl1pPr algn="r">
-              <a:defRPr sz="5298">
+              <a:defRPr sz="3742">
                 <a:solidFill>
                   <a:schemeClr val="tx1">
                     <a:tint val="75000"/>
@@ -4553,27 +4553,27 @@
     </p:spTree>
     <p:extLst>
       <p:ext uri="{BB962C8B-B14F-4D97-AF65-F5344CB8AC3E}">
-        <p14:creationId xmlns:p14="http://schemas.microsoft.com/office/powerpoint/2010/main" val="3444511433"/>
+        <p14:creationId xmlns:p14="http://schemas.microsoft.com/office/powerpoint/2010/main" val="4123494113"/>
       </p:ext>
     </p:extLst>
   </p:cSld>
   <p:clrMap bg1="lt1" tx1="dk1" bg2="lt2" tx2="dk2" accent1="accent1" accent2="accent2" accent3="accent3" accent4="accent4" accent5="accent5" accent6="accent6" hlink="hlink" folHlink="folHlink"/>
   <p:sldLayoutIdLst>
-    <p:sldLayoutId id="2147483673" r:id="rId1"/>
-    <p:sldLayoutId id="2147483674" r:id="rId2"/>
-    <p:sldLayoutId id="2147483675" r:id="rId3"/>
-    <p:sldLayoutId id="2147483676" r:id="rId4"/>
-    <p:sldLayoutId id="2147483677" r:id="rId5"/>
-    <p:sldLayoutId id="2147483678" r:id="rId6"/>
-    <p:sldLayoutId id="2147483679" r:id="rId7"/>
-    <p:sldLayoutId id="2147483680" r:id="rId8"/>
-    <p:sldLayoutId id="2147483681" r:id="rId9"/>
-    <p:sldLayoutId id="2147483682" r:id="rId10"/>
-    <p:sldLayoutId id="2147483683" r:id="rId11"/>
+    <p:sldLayoutId id="2147483685" r:id="rId1"/>
+    <p:sldLayoutId id="2147483686" r:id="rId2"/>
+    <p:sldLayoutId id="2147483687" r:id="rId3"/>
+    <p:sldLayoutId id="2147483688" r:id="rId4"/>
+    <p:sldLayoutId id="2147483689" r:id="rId5"/>
+    <p:sldLayoutId id="2147483690" r:id="rId6"/>
+    <p:sldLayoutId id="2147483691" r:id="rId7"/>
+    <p:sldLayoutId id="2147483692" r:id="rId8"/>
+    <p:sldLayoutId id="2147483693" r:id="rId9"/>
+    <p:sldLayoutId id="2147483694" r:id="rId10"/>
+    <p:sldLayoutId id="2147483695" r:id="rId11"/>
   </p:sldLayoutIdLst>
   <p:txStyles>
     <p:titleStyle>
-      <a:lvl1pPr algn="l" defTabSz="4036710" rtl="0" eaLnBrk="1" latinLnBrk="0" hangingPunct="1">
+      <a:lvl1pPr algn="l" defTabSz="2851191" rtl="0" eaLnBrk="1" latinLnBrk="0" hangingPunct="1">
         <a:lnSpc>
           <a:spcPct val="90000"/>
         </a:lnSpc>
@@ -4581,7 +4581,7 @@
           <a:spcPct val="0"/>
         </a:spcBef>
         <a:buNone/>
-        <a:defRPr sz="19424" kern="1200">
+        <a:defRPr sz="13720" kern="1200">
           <a:solidFill>
             <a:schemeClr val="tx1"/>
           </a:solidFill>
@@ -4592,16 +4592,16 @@
       </a:lvl1pPr>
     </p:titleStyle>
     <p:bodyStyle>
-      <a:lvl1pPr marL="1009178" indent="-1009178" algn="l" defTabSz="4036710" rtl="0" eaLnBrk="1" latinLnBrk="0" hangingPunct="1">
+      <a:lvl1pPr marL="712798" indent="-712798" algn="l" defTabSz="2851191" rtl="0" eaLnBrk="1" latinLnBrk="0" hangingPunct="1">
         <a:lnSpc>
           <a:spcPct val="90000"/>
         </a:lnSpc>
         <a:spcBef>
-          <a:spcPts val="4415"/>
+          <a:spcPts val="3118"/>
         </a:spcBef>
         <a:buFont typeface="Arial" panose="020B0604020202020204" pitchFamily="34" charset="0"/>
         <a:buChar char="•"/>
-        <a:defRPr sz="12361" kern="1200">
+        <a:defRPr sz="8731" kern="1200">
           <a:solidFill>
             <a:schemeClr val="tx1"/>
           </a:solidFill>
@@ -4610,16 +4610,16 @@
           <a:cs typeface="+mn-cs"/>
         </a:defRPr>
       </a:lvl1pPr>
-      <a:lvl2pPr marL="3027533" indent="-1009178" algn="l" defTabSz="4036710" rtl="0" eaLnBrk="1" latinLnBrk="0" hangingPunct="1">
+      <a:lvl2pPr marL="2138393" indent="-712798" algn="l" defTabSz="2851191" rtl="0" eaLnBrk="1" latinLnBrk="0" hangingPunct="1">
         <a:lnSpc>
           <a:spcPct val="90000"/>
         </a:lnSpc>
         <a:spcBef>
-          <a:spcPts val="2207"/>
+          <a:spcPts val="1559"/>
         </a:spcBef>
         <a:buFont typeface="Arial" panose="020B0604020202020204" pitchFamily="34" charset="0"/>
         <a:buChar char="•"/>
-        <a:defRPr sz="10595" kern="1200">
+        <a:defRPr sz="7483" kern="1200">
           <a:solidFill>
             <a:schemeClr val="tx1"/>
           </a:solidFill>
@@ -4628,16 +4628,16 @@
           <a:cs typeface="+mn-cs"/>
         </a:defRPr>
       </a:lvl2pPr>
-      <a:lvl3pPr marL="5045888" indent="-1009178" algn="l" defTabSz="4036710" rtl="0" eaLnBrk="1" latinLnBrk="0" hangingPunct="1">
+      <a:lvl3pPr marL="3563988" indent="-712798" algn="l" defTabSz="2851191" rtl="0" eaLnBrk="1" latinLnBrk="0" hangingPunct="1">
         <a:lnSpc>
           <a:spcPct val="90000"/>
         </a:lnSpc>
         <a:spcBef>
-          <a:spcPts val="2207"/>
+          <a:spcPts val="1559"/>
         </a:spcBef>
         <a:buFont typeface="Arial" panose="020B0604020202020204" pitchFamily="34" charset="0"/>
         <a:buChar char="•"/>
-        <a:defRPr sz="8829" kern="1200">
+        <a:defRPr sz="6236" kern="1200">
           <a:solidFill>
             <a:schemeClr val="tx1"/>
           </a:solidFill>
@@ -4646,16 +4646,16 @@
           <a:cs typeface="+mn-cs"/>
         </a:defRPr>
       </a:lvl3pPr>
-      <a:lvl4pPr marL="7064243" indent="-1009178" algn="l" defTabSz="4036710" rtl="0" eaLnBrk="1" latinLnBrk="0" hangingPunct="1">
+      <a:lvl4pPr marL="4989584" indent="-712798" algn="l" defTabSz="2851191" rtl="0" eaLnBrk="1" latinLnBrk="0" hangingPunct="1">
         <a:lnSpc>
           <a:spcPct val="90000"/>
         </a:lnSpc>
         <a:spcBef>
-          <a:spcPts val="2207"/>
+          <a:spcPts val="1559"/>
         </a:spcBef>
         <a:buFont typeface="Arial" panose="020B0604020202020204" pitchFamily="34" charset="0"/>
         <a:buChar char="•"/>
-        <a:defRPr sz="7946" kern="1200">
+        <a:defRPr sz="5613" kern="1200">
           <a:solidFill>
             <a:schemeClr val="tx1"/>
           </a:solidFill>
@@ -4664,16 +4664,16 @@
           <a:cs typeface="+mn-cs"/>
         </a:defRPr>
       </a:lvl4pPr>
-      <a:lvl5pPr marL="9082598" indent="-1009178" algn="l" defTabSz="4036710" rtl="0" eaLnBrk="1" latinLnBrk="0" hangingPunct="1">
+      <a:lvl5pPr marL="6415179" indent="-712798" algn="l" defTabSz="2851191" rtl="0" eaLnBrk="1" latinLnBrk="0" hangingPunct="1">
         <a:lnSpc>
           <a:spcPct val="90000"/>
         </a:lnSpc>
         <a:spcBef>
-          <a:spcPts val="2207"/>
+          <a:spcPts val="1559"/>
         </a:spcBef>
         <a:buFont typeface="Arial" panose="020B0604020202020204" pitchFamily="34" charset="0"/>
         <a:buChar char="•"/>
-        <a:defRPr sz="7946" kern="1200">
+        <a:defRPr sz="5613" kern="1200">
           <a:solidFill>
             <a:schemeClr val="tx1"/>
           </a:solidFill>
@@ -4682,16 +4682,16 @@
           <a:cs typeface="+mn-cs"/>
         </a:defRPr>
       </a:lvl5pPr>
-      <a:lvl6pPr marL="11100953" indent="-1009178" algn="l" defTabSz="4036710" rtl="0" eaLnBrk="1" latinLnBrk="0" hangingPunct="1">
+      <a:lvl6pPr marL="7840774" indent="-712798" algn="l" defTabSz="2851191" rtl="0" eaLnBrk="1" latinLnBrk="0" hangingPunct="1">
         <a:lnSpc>
           <a:spcPct val="90000"/>
         </a:lnSpc>
         <a:spcBef>
-          <a:spcPts val="2207"/>
+          <a:spcPts val="1559"/>
         </a:spcBef>
         <a:buFont typeface="Arial" panose="020B0604020202020204" pitchFamily="34" charset="0"/>
         <a:buChar char="•"/>
-        <a:defRPr sz="7946" kern="1200">
+        <a:defRPr sz="5613" kern="1200">
           <a:solidFill>
             <a:schemeClr val="tx1"/>
           </a:solidFill>
@@ -4700,16 +4700,16 @@
           <a:cs typeface="+mn-cs"/>
         </a:defRPr>
       </a:lvl6pPr>
-      <a:lvl7pPr marL="13119308" indent="-1009178" algn="l" defTabSz="4036710" rtl="0" eaLnBrk="1" latinLnBrk="0" hangingPunct="1">
+      <a:lvl7pPr marL="9266370" indent="-712798" algn="l" defTabSz="2851191" rtl="0" eaLnBrk="1" latinLnBrk="0" hangingPunct="1">
         <a:lnSpc>
           <a:spcPct val="90000"/>
         </a:lnSpc>
         <a:spcBef>
-          <a:spcPts val="2207"/>
+          <a:spcPts val="1559"/>
         </a:spcBef>
         <a:buFont typeface="Arial" panose="020B0604020202020204" pitchFamily="34" charset="0"/>
         <a:buChar char="•"/>
-        <a:defRPr sz="7946" kern="1200">
+        <a:defRPr sz="5613" kern="1200">
           <a:solidFill>
             <a:schemeClr val="tx1"/>
           </a:solidFill>
@@ -4718,16 +4718,16 @@
           <a:cs typeface="+mn-cs"/>
         </a:defRPr>
       </a:lvl7pPr>
-      <a:lvl8pPr marL="15137663" indent="-1009178" algn="l" defTabSz="4036710" rtl="0" eaLnBrk="1" latinLnBrk="0" hangingPunct="1">
+      <a:lvl8pPr marL="10691965" indent="-712798" algn="l" defTabSz="2851191" rtl="0" eaLnBrk="1" latinLnBrk="0" hangingPunct="1">
         <a:lnSpc>
           <a:spcPct val="90000"/>
         </a:lnSpc>
         <a:spcBef>
-          <a:spcPts val="2207"/>
+          <a:spcPts val="1559"/>
         </a:spcBef>
         <a:buFont typeface="Arial" panose="020B0604020202020204" pitchFamily="34" charset="0"/>
         <a:buChar char="•"/>
-        <a:defRPr sz="7946" kern="1200">
+        <a:defRPr sz="5613" kern="1200">
           <a:solidFill>
             <a:schemeClr val="tx1"/>
           </a:solidFill>
@@ -4736,16 +4736,16 @@
           <a:cs typeface="+mn-cs"/>
         </a:defRPr>
       </a:lvl8pPr>
-      <a:lvl9pPr marL="17156019" indent="-1009178" algn="l" defTabSz="4036710" rtl="0" eaLnBrk="1" latinLnBrk="0" hangingPunct="1">
+      <a:lvl9pPr marL="12117560" indent="-712798" algn="l" defTabSz="2851191" rtl="0" eaLnBrk="1" latinLnBrk="0" hangingPunct="1">
         <a:lnSpc>
           <a:spcPct val="90000"/>
         </a:lnSpc>
         <a:spcBef>
-          <a:spcPts val="2207"/>
+          <a:spcPts val="1559"/>
         </a:spcBef>
         <a:buFont typeface="Arial" panose="020B0604020202020204" pitchFamily="34" charset="0"/>
         <a:buChar char="•"/>
-        <a:defRPr sz="7946" kern="1200">
+        <a:defRPr sz="5613" kern="1200">
           <a:solidFill>
             <a:schemeClr val="tx1"/>
           </a:solidFill>
@@ -4759,8 +4759,8 @@
       <a:defPPr>
         <a:defRPr lang="en-US"/>
       </a:defPPr>
-      <a:lvl1pPr marL="0" algn="l" defTabSz="4036710" rtl="0" eaLnBrk="1" latinLnBrk="0" hangingPunct="1">
-        <a:defRPr sz="7946" kern="1200">
+      <a:lvl1pPr marL="0" algn="l" defTabSz="2851191" rtl="0" eaLnBrk="1" latinLnBrk="0" hangingPunct="1">
+        <a:defRPr sz="5613" kern="1200">
           <a:solidFill>
             <a:schemeClr val="tx1"/>
           </a:solidFill>
@@ -4769,8 +4769,8 @@
           <a:cs typeface="+mn-cs"/>
         </a:defRPr>
       </a:lvl1pPr>
-      <a:lvl2pPr marL="2018355" algn="l" defTabSz="4036710" rtl="0" eaLnBrk="1" latinLnBrk="0" hangingPunct="1">
-        <a:defRPr sz="7946" kern="1200">
+      <a:lvl2pPr marL="1425595" algn="l" defTabSz="2851191" rtl="0" eaLnBrk="1" latinLnBrk="0" hangingPunct="1">
+        <a:defRPr sz="5613" kern="1200">
           <a:solidFill>
             <a:schemeClr val="tx1"/>
           </a:solidFill>
@@ -4779,8 +4779,8 @@
           <a:cs typeface="+mn-cs"/>
         </a:defRPr>
       </a:lvl2pPr>
-      <a:lvl3pPr marL="4036710" algn="l" defTabSz="4036710" rtl="0" eaLnBrk="1" latinLnBrk="0" hangingPunct="1">
-        <a:defRPr sz="7946" kern="1200">
+      <a:lvl3pPr marL="2851191" algn="l" defTabSz="2851191" rtl="0" eaLnBrk="1" latinLnBrk="0" hangingPunct="1">
+        <a:defRPr sz="5613" kern="1200">
           <a:solidFill>
             <a:schemeClr val="tx1"/>
           </a:solidFill>
@@ -4789,8 +4789,8 @@
           <a:cs typeface="+mn-cs"/>
         </a:defRPr>
       </a:lvl3pPr>
-      <a:lvl4pPr marL="6055065" algn="l" defTabSz="4036710" rtl="0" eaLnBrk="1" latinLnBrk="0" hangingPunct="1">
-        <a:defRPr sz="7946" kern="1200">
+      <a:lvl4pPr marL="4276786" algn="l" defTabSz="2851191" rtl="0" eaLnBrk="1" latinLnBrk="0" hangingPunct="1">
+        <a:defRPr sz="5613" kern="1200">
           <a:solidFill>
             <a:schemeClr val="tx1"/>
           </a:solidFill>
@@ -4799,8 +4799,8 @@
           <a:cs typeface="+mn-cs"/>
         </a:defRPr>
       </a:lvl4pPr>
-      <a:lvl5pPr marL="8073420" algn="l" defTabSz="4036710" rtl="0" eaLnBrk="1" latinLnBrk="0" hangingPunct="1">
-        <a:defRPr sz="7946" kern="1200">
+      <a:lvl5pPr marL="5702381" algn="l" defTabSz="2851191" rtl="0" eaLnBrk="1" latinLnBrk="0" hangingPunct="1">
+        <a:defRPr sz="5613" kern="1200">
           <a:solidFill>
             <a:schemeClr val="tx1"/>
           </a:solidFill>
@@ -4809,8 +4809,8 @@
           <a:cs typeface="+mn-cs"/>
         </a:defRPr>
       </a:lvl5pPr>
-      <a:lvl6pPr marL="10091776" algn="l" defTabSz="4036710" rtl="0" eaLnBrk="1" latinLnBrk="0" hangingPunct="1">
-        <a:defRPr sz="7946" kern="1200">
+      <a:lvl6pPr marL="7127977" algn="l" defTabSz="2851191" rtl="0" eaLnBrk="1" latinLnBrk="0" hangingPunct="1">
+        <a:defRPr sz="5613" kern="1200">
           <a:solidFill>
             <a:schemeClr val="tx1"/>
           </a:solidFill>
@@ -4819,8 +4819,8 @@
           <a:cs typeface="+mn-cs"/>
         </a:defRPr>
       </a:lvl6pPr>
-      <a:lvl7pPr marL="12110131" algn="l" defTabSz="4036710" rtl="0" eaLnBrk="1" latinLnBrk="0" hangingPunct="1">
-        <a:defRPr sz="7946" kern="1200">
+      <a:lvl7pPr marL="8553572" algn="l" defTabSz="2851191" rtl="0" eaLnBrk="1" latinLnBrk="0" hangingPunct="1">
+        <a:defRPr sz="5613" kern="1200">
           <a:solidFill>
             <a:schemeClr val="tx1"/>
           </a:solidFill>
@@ -4829,8 +4829,8 @@
           <a:cs typeface="+mn-cs"/>
         </a:defRPr>
       </a:lvl7pPr>
-      <a:lvl8pPr marL="14128486" algn="l" defTabSz="4036710" rtl="0" eaLnBrk="1" latinLnBrk="0" hangingPunct="1">
-        <a:defRPr sz="7946" kern="1200">
+      <a:lvl8pPr marL="9979167" algn="l" defTabSz="2851191" rtl="0" eaLnBrk="1" latinLnBrk="0" hangingPunct="1">
+        <a:defRPr sz="5613" kern="1200">
           <a:solidFill>
             <a:schemeClr val="tx1"/>
           </a:solidFill>
@@ -4839,8 +4839,8 @@
           <a:cs typeface="+mn-cs"/>
         </a:defRPr>
       </a:lvl8pPr>
-      <a:lvl9pPr marL="16146841" algn="l" defTabSz="4036710" rtl="0" eaLnBrk="1" latinLnBrk="0" hangingPunct="1">
-        <a:defRPr sz="7946" kern="1200">
+      <a:lvl9pPr marL="11404763" algn="l" defTabSz="2851191" rtl="0" eaLnBrk="1" latinLnBrk="0" hangingPunct="1">
+        <a:defRPr sz="5613" kern="1200">
           <a:solidFill>
             <a:schemeClr val="tx1"/>
           </a:solidFill>
@@ -4881,47 +4881,6 @@
           <a:chExt cx="0" cy="0"/>
         </a:xfrm>
       </p:grpSpPr>
-      <p:sp>
-        <p:nvSpPr>
-          <p:cNvPr id="2" name="Title 1">
-            <a:extLst>
-              <a:ext uri="{FF2B5EF4-FFF2-40B4-BE49-F238E27FC236}">
-                <a16:creationId xmlns:a16="http://schemas.microsoft.com/office/drawing/2014/main" id="{9F22B22F-A0FC-44E6-AED7-919B1270F04A}"/>
-              </a:ext>
-            </a:extLst>
-          </p:cNvPr>
-          <p:cNvSpPr>
-            <a:spLocks noGrp="1"/>
-          </p:cNvSpPr>
-          <p:nvPr>
-            <p:ph type="ctrTitle"/>
-          </p:nvPr>
-        </p:nvSpPr>
-        <p:spPr>
-          <a:xfrm>
-            <a:off x="4727528" y="432334"/>
-            <a:ext cx="33348706" cy="1405933"/>
-          </a:xfrm>
-        </p:spPr>
-        <p:txBody>
-          <a:bodyPr>
-            <a:noAutofit/>
-          </a:bodyPr>
-          <a:lstStyle/>
-          <a:p>
-            <a:pPr algn="l"/>
-            <a:r>
-              <a:rPr lang="en-GB" sz="8000" dirty="0">
-                <a:solidFill>
-                  <a:schemeClr val="bg1"/>
-                </a:solidFill>
-                <a:latin typeface="Nunito" panose="02000503030000020003" pitchFamily="2" charset="0"/>
-              </a:rPr>
-              <a:t>Detecting Periodic Sentences For The Purposes Of Argument Mining</a:t>
-            </a:r>
-          </a:p>
-        </p:txBody>
-      </p:sp>
       <p:pic>
         <p:nvPicPr>
           <p:cNvPr id="9" name="Picture 8">
@@ -4944,8 +4903,8 @@
         </p:blipFill>
         <p:spPr>
           <a:xfrm>
-            <a:off x="21401881" y="-10075383"/>
-            <a:ext cx="19762432" cy="7621053"/>
+            <a:off x="15137606" y="-7116324"/>
+            <a:ext cx="13958364" cy="5382811"/>
           </a:xfrm>
           <a:prstGeom prst="rect">
             <a:avLst/>
@@ -4966,8 +4925,8 @@
         </p:nvSpPr>
         <p:spPr>
           <a:xfrm>
-            <a:off x="466971" y="22443216"/>
-            <a:ext cx="15320466" cy="7300183"/>
+            <a:off x="347557" y="14497553"/>
+            <a:ext cx="10820968" cy="6514192"/>
           </a:xfrm>
           <a:prstGeom prst="roundRect">
             <a:avLst>
@@ -5003,37 +4962,51 @@
           <a:p>
             <a:pPr algn="ctr"/>
             <a:r>
-              <a:rPr lang="en-GB" sz="4400" dirty="0"/>
-              <a:t>Future Work</a:t>
-            </a:r>
+              <a:rPr lang="en-GB" sz="2800" b="1" dirty="0"/>
+              <a:t>Conclusions</a:t>
+            </a:r>
+            <a:endParaRPr lang="en-GB" sz="3108" b="1" dirty="0"/>
           </a:p>
           <a:p>
             <a:pPr algn="ctr"/>
-            <a:endParaRPr lang="en-GB" sz="4400" dirty="0"/>
-          </a:p>
-          <a:p>
-            <a:r>
-              <a:rPr lang="en-GB" sz="3200" dirty="0"/>
-              <a:t>Currently, the application can detect periodic sentences with a high level of accuracy. However if it was integrated into an argument mining library, the primary use case of providing useful metadata to an argument mining algorithm would be possible.</a:t>
-            </a:r>
-          </a:p>
-          <a:p>
-            <a:endParaRPr lang="en-GB" sz="3200" dirty="0"/>
-          </a:p>
-          <a:p>
-            <a:r>
-              <a:rPr lang="en-GB" sz="3200" dirty="0"/>
-              <a:t>There are many more options for expansion, such as exposing the testing suite to the user, allowing them to test the algorithm’s effectiveness on their own corpora using their own test dataset. </a:t>
-            </a:r>
-          </a:p>
-          <a:p>
-            <a:endParaRPr lang="en-GB" sz="3200" dirty="0"/>
-          </a:p>
-          <a:p>
-            <a:r>
-              <a:rPr lang="en-GB" sz="3200" dirty="0"/>
-              <a:t>Other expansion options include real-time analysis built into a web plugin, allowing writers to see the types of their sentences as they write them, similar to the grammar correction plugin ‘Grammarly’.</a:t>
-            </a:r>
+            <a:endParaRPr lang="en-GB" sz="3108" dirty="0"/>
+          </a:p>
+          <a:p>
+            <a:pPr algn="just"/>
+            <a:r>
+              <a:rPr lang="en-GB" sz="2400" dirty="0"/>
+              <a:t>Argument Mining has the potential to make research papers more digestible, natural language processing more intelligent and comparison between contrasting viewpoints more manageable. However, argument mining is still in it's infancy and cannot, at present, achieve it's theoretical potential.</a:t>
+            </a:r>
+          </a:p>
+          <a:p>
+            <a:pPr algn="just"/>
+            <a:endParaRPr lang="en-GB" sz="2400" dirty="0"/>
+          </a:p>
+          <a:p>
+            <a:pPr algn="just"/>
+            <a:r>
+              <a:rPr lang="en-GB" sz="2400" dirty="0"/>
+              <a:t>To combat this, we built an accurate periodic sentence detection algorithm, which could provide useful metadata to an argument mining algorithm in the future.</a:t>
+            </a:r>
+          </a:p>
+          <a:p>
+            <a:pPr algn="just"/>
+            <a:endParaRPr lang="en-GB" sz="2400" dirty="0"/>
+          </a:p>
+          <a:p>
+            <a:pPr algn="just"/>
+            <a:r>
+              <a:rPr lang="en-GB" sz="2400" dirty="0"/>
+              <a:t>It was hypothesised that a software tool we create could detect periodic sentences, and to an equal or better standard than that achieved by existing solutions. This hypothesis was proven to be accurate as we achieved an accuracy of approx. 95%.</a:t>
+            </a:r>
+          </a:p>
+          <a:p>
+            <a:pPr algn="just"/>
+            <a:endParaRPr lang="en-GB" sz="2400" dirty="0"/>
+          </a:p>
+          <a:p>
+            <a:pPr algn="just"/>
+            <a:endParaRPr lang="en-GB" sz="2400" dirty="0"/>
           </a:p>
         </p:txBody>
       </p:sp>
@@ -5051,8 +5024,8 @@
         </p:nvSpPr>
         <p:spPr>
           <a:xfrm>
-            <a:off x="16292746" y="2330859"/>
-            <a:ext cx="16748223" cy="14092024"/>
+            <a:off x="347557" y="4413718"/>
+            <a:ext cx="10820968" cy="9759482"/>
           </a:xfrm>
           <a:prstGeom prst="roundRect">
             <a:avLst>
@@ -5088,63 +5061,76 @@
           <a:p>
             <a:pPr algn="ctr"/>
             <a:r>
-              <a:rPr lang="en-GB" sz="4400" dirty="0"/>
-              <a:t>The project</a:t>
-            </a:r>
+              <a:rPr lang="en-GB" sz="2800" b="1" dirty="0"/>
+              <a:t>Background</a:t>
+            </a:r>
+            <a:endParaRPr lang="en-GB" sz="3108" b="1" dirty="0"/>
           </a:p>
           <a:p>
             <a:pPr algn="ctr"/>
-            <a:endParaRPr lang="en-GB" sz="4400" dirty="0"/>
-          </a:p>
-          <a:p>
-            <a:r>
-              <a:rPr lang="en-GB" sz="3200" dirty="0"/>
-              <a:t>Argument mining is the extraction of arguments from a given block of text. It provides information about the claims being made and the evidence being used to back them up. There are various use cases for this technology such as </a:t>
-            </a:r>
-            <a:r>
-              <a:rPr lang="en-GB" sz="3200" dirty="0" err="1"/>
-              <a:t>ArgumenText</a:t>
-            </a:r>
-            <a:r>
-              <a:rPr lang="en-GB" sz="3200" dirty="0"/>
-              <a:t>, an online search engine that can find arguments for and against a given topic. </a:t>
-            </a:r>
-          </a:p>
-          <a:p>
-            <a:endParaRPr lang="en-GB" sz="3200" dirty="0"/>
-          </a:p>
-          <a:p>
-            <a:r>
-              <a:rPr lang="en-GB" sz="3200" dirty="0"/>
-              <a:t>A periodic sentence is made up of two parts: A subordinate clause and a main clause. The subordinate clause is dependent on the main clause. “When I was shopping in town yesterday, I saw Rachel.” is a periodic sentence. The subordinate clause is “When I was shopping in town yesterday” and the main clause is “I saw Rachel”. A periodic sentence always has the subordinate clause first, whereas other sentence types with subordinate clauses have them at the end of the sentence. Therefore the position of the subordinate clause is what we use to determine if the sentence is periodic.</a:t>
-            </a:r>
-          </a:p>
-          <a:p>
-            <a:endParaRPr lang="en-GB" sz="3200" dirty="0"/>
-          </a:p>
-          <a:p>
-            <a:endParaRPr lang="en-GB" sz="3200" dirty="0"/>
-          </a:p>
-          <a:p>
-            <a:endParaRPr lang="en-GB" sz="3200" dirty="0"/>
-          </a:p>
-          <a:p>
-            <a:endParaRPr lang="en-GB" sz="3200" dirty="0"/>
-          </a:p>
-          <a:p>
-            <a:endParaRPr lang="en-GB" sz="3200" dirty="0"/>
-          </a:p>
-          <a:p>
-            <a:endParaRPr lang="en-GB" sz="3200" dirty="0"/>
-          </a:p>
-          <a:p>
-            <a:endParaRPr lang="en-GB" sz="3200" dirty="0"/>
-          </a:p>
-          <a:p>
-            <a:r>
-              <a:rPr lang="en-GB" sz="3200" dirty="0"/>
-              <a:t>Argument mining is far from a solved problem due to the immense complexity of natural language. This project aims to advance the field by providing some metadata on the text being mined – namely whether or not it is periodic. Periodic sentences are similar in structure to arguments, with premise in the subordinate clause followed by conclusion in the main clause – so if the argument mining algorithm knows that a sentence is periodic, it knows where to find premises (Claims) and conclusions (Evidence).</a:t>
-            </a:r>
+            <a:endParaRPr lang="en-GB" sz="3108" dirty="0"/>
+          </a:p>
+          <a:p>
+            <a:pPr algn="just"/>
+            <a:r>
+              <a:rPr lang="en-GB" sz="2400" dirty="0"/>
+              <a:t>Argument mining is the extraction of arguments from a given block of text. It provides information about the claims being made and the evidence being used to back them up. Currently, argument mining is very difficult due to the immense complexity of natural language. This project aims to advance the field by providing some metadata on the text being mined – namely whether or not each sentence is periodic. </a:t>
+            </a:r>
+          </a:p>
+          <a:p>
+            <a:endParaRPr lang="en-GB" sz="2400" dirty="0"/>
+          </a:p>
+          <a:p>
+            <a:pPr algn="just"/>
+            <a:r>
+              <a:rPr lang="en-GB" sz="2400" dirty="0"/>
+              <a:t>A periodic sentence is made up of two parts: A subordinate clause and a main clause. The subordinate clause is dependent on the main clause.</a:t>
+            </a:r>
+          </a:p>
+          <a:p>
+            <a:pPr algn="just"/>
+            <a:endParaRPr lang="en-GB" sz="2400" dirty="0"/>
+          </a:p>
+          <a:p>
+            <a:pPr algn="just"/>
+            <a:endParaRPr lang="en-GB" sz="2400" dirty="0"/>
+          </a:p>
+          <a:p>
+            <a:pPr algn="just"/>
+            <a:endParaRPr lang="en-GB" sz="2400" dirty="0"/>
+          </a:p>
+          <a:p>
+            <a:pPr algn="just"/>
+            <a:endParaRPr lang="en-GB" sz="2400" dirty="0"/>
+          </a:p>
+          <a:p>
+            <a:pPr algn="just"/>
+            <a:endParaRPr lang="en-GB" sz="2400" dirty="0"/>
+          </a:p>
+          <a:p>
+            <a:pPr algn="just"/>
+            <a:r>
+              <a:rPr lang="en-GB" sz="2400" dirty="0"/>
+              <a:t>“When I was shopping in town yesterday, I saw Rachel.” is a periodic sentence. A periodic sentence always has the subordinate clause followed by the main clause, whereas other sentence types containing subordinate clauses are the other way around.</a:t>
+            </a:r>
+          </a:p>
+          <a:p>
+            <a:pPr algn="just"/>
+            <a:endParaRPr lang="en-GB" sz="2400" dirty="0"/>
+          </a:p>
+          <a:p>
+            <a:pPr algn="just"/>
+            <a:r>
+              <a:rPr lang="en-GB" sz="2400" dirty="0"/>
+              <a:t>Periodic sentences are similar in structure to arguments, with a premise in the subordinate clause followed by conclusion in the main clause. Therefore,  if the argument mining algorithm knows that a sentence is periodic, it knows where to find premises (Claims) and conclusions (Evidence), making argument detection easier.</a:t>
+            </a:r>
+          </a:p>
+          <a:p>
+            <a:pPr algn="just"/>
+            <a:endParaRPr lang="en-GB" sz="2400" dirty="0"/>
+          </a:p>
+          <a:p>
+            <a:endParaRPr lang="en-GB" sz="2400" dirty="0"/>
           </a:p>
         </p:txBody>
       </p:sp>
@@ -5162,12 +5148,12 @@
         </p:nvSpPr>
         <p:spPr>
           <a:xfrm>
-            <a:off x="33546277" y="2330859"/>
-            <a:ext cx="8790513" cy="14092024"/>
+            <a:off x="11528983" y="1549712"/>
+            <a:ext cx="18395114" cy="7620534"/>
           </a:xfrm>
           <a:prstGeom prst="roundRect">
             <a:avLst>
-              <a:gd name="adj" fmla="val 4465"/>
+              <a:gd name="adj" fmla="val 3076"/>
             </a:avLst>
           </a:prstGeom>
           <a:noFill/>
@@ -5199,50 +5185,18 @@
           <a:p>
             <a:pPr algn="ctr"/>
             <a:r>
-              <a:rPr lang="en-GB" sz="4400" dirty="0"/>
+              <a:rPr lang="en-GB" sz="2800" b="1" dirty="0"/>
               <a:t>Methodology</a:t>
             </a:r>
+            <a:endParaRPr lang="en-GB" sz="3108" b="1" dirty="0"/>
           </a:p>
           <a:p>
             <a:pPr algn="ctr"/>
-            <a:endParaRPr lang="en-GB" sz="3200" dirty="0"/>
-          </a:p>
-          <a:p>
-            <a:r>
-              <a:rPr lang="en-GB" sz="3200" dirty="0"/>
-              <a:t>To detect periodic sentences, the algorithm looks for subordinate clauses towards the start of the sentence. This is a key characteristic of periodic sentences.</a:t>
-            </a:r>
-          </a:p>
-          <a:p>
-            <a:endParaRPr lang="en-GB" sz="3200" dirty="0"/>
-          </a:p>
-          <a:p>
-            <a:r>
-              <a:rPr lang="en-GB" sz="3200" dirty="0"/>
-              <a:t>To do this, the algorithm first looks for ‘S’ or ‘SBAR’ tags attached to clauses near the start of the sentence. These are indicators of a subordinate clause when using the Penn Treebank. If one of these tags is found in a position that would indicate a periodic sentence, the algorithm sets the sentence’s periodic attribute to True.</a:t>
-            </a:r>
-          </a:p>
-          <a:p>
-            <a:endParaRPr lang="en-GB" sz="3200" dirty="0"/>
-          </a:p>
-          <a:p>
-            <a:r>
-              <a:rPr lang="en-GB" sz="3200" dirty="0"/>
-              <a:t>If the structure does not contain ‘S’ or ‘SBAR’ tags towards the start of the sentence, perhaps due to a misinterpretation in the sentence parsing, the algorithm will look for a subordinating conjunctive (Represented by the “IN” POS tag). These words are found at the start of a subordinate clause, so if one can be found in the first few words of the sentence, we can call it periodic.</a:t>
-            </a:r>
-          </a:p>
-          <a:p>
-            <a:endParaRPr lang="en-GB" sz="3200" dirty="0"/>
-          </a:p>
-          <a:p>
-            <a:r>
-              <a:rPr lang="en-GB" sz="3200" dirty="0"/>
-              <a:t>Finally, the algorithm returns the list of annotated sentences to the UI or the caller of the API, as HTML or JSON/Pickle respectively.</a:t>
-            </a:r>
+            <a:endParaRPr lang="en-GB" sz="2260" dirty="0"/>
           </a:p>
           <a:p>
             <a:pPr algn="ctr"/>
-            <a:endParaRPr lang="en-GB" sz="3200" dirty="0"/>
+            <a:endParaRPr lang="en-GB" sz="2260" dirty="0"/>
           </a:p>
         </p:txBody>
       </p:sp>
@@ -5260,12 +5214,12 @@
         </p:nvSpPr>
         <p:spPr>
           <a:xfrm>
-            <a:off x="16292746" y="16860319"/>
-            <a:ext cx="16914883" cy="12883080"/>
+            <a:off x="11528982" y="9509461"/>
+            <a:ext cx="18395113" cy="8511840"/>
           </a:xfrm>
           <a:prstGeom prst="roundRect">
             <a:avLst>
-              <a:gd name="adj" fmla="val 2357"/>
+              <a:gd name="adj" fmla="val 3601"/>
             </a:avLst>
           </a:prstGeom>
           <a:noFill/>
@@ -5297,40 +5251,26 @@
           <a:p>
             <a:pPr algn="ctr"/>
             <a:r>
-              <a:rPr lang="en-GB" sz="4400" dirty="0"/>
+              <a:rPr lang="en-GB" sz="2800" b="1" dirty="0"/>
               <a:t>Results</a:t>
             </a:r>
+            <a:endParaRPr lang="en-GB" sz="3108" b="1" dirty="0"/>
           </a:p>
           <a:p>
             <a:pPr algn="ctr"/>
-            <a:endParaRPr lang="en-GB" sz="4400" dirty="0"/>
-          </a:p>
-          <a:p>
-            <a:r>
-              <a:rPr lang="en-GB" sz="3200" dirty="0"/>
-              <a:t>The dataset is split into a set of periodic sentences and a set of non-periodic sentences. When running in test mode, the algorithm will go through each sentence and predict whether they are periodic or not, giving itself a 'point' if it is correct. The application then calculates the percentage of periodic sentences correctly predicted as periodic, the percentage of non-periodic sentences predicted as non-periodic and the run time.</a:t>
-            </a:r>
-          </a:p>
-          <a:p>
-            <a:endParaRPr lang="en-GB" sz="3200" dirty="0"/>
-          </a:p>
-          <a:p>
-            <a:r>
-              <a:rPr lang="en-GB" sz="3200" dirty="0"/>
-              <a:t>This approach allowed the success of each prototype to be measured, and the separate accuracy scores for periodic and non-periodic detection made narrowing down issues easier. After each experiment, the results were recorded and a hypothesis was made suggesting the next steps to improve it further. The graphs below show the improvement with each prototype.</a:t>
-            </a:r>
-          </a:p>
-          <a:p>
-            <a:endParaRPr lang="en-GB" sz="3200" dirty="0"/>
-          </a:p>
-          <a:p>
-            <a:endParaRPr lang="en-GB" sz="3200" dirty="0"/>
-          </a:p>
-          <a:p>
-            <a:endParaRPr lang="en-GB" sz="3200" dirty="0"/>
-          </a:p>
-          <a:p>
-            <a:endParaRPr lang="en-GB" sz="4400" dirty="0"/>
+            <a:endParaRPr lang="en-GB" sz="3108" dirty="0"/>
+          </a:p>
+          <a:p>
+            <a:endParaRPr lang="en-GB" sz="2260" dirty="0"/>
+          </a:p>
+          <a:p>
+            <a:endParaRPr lang="en-GB" sz="2260" dirty="0"/>
+          </a:p>
+          <a:p>
+            <a:endParaRPr lang="en-GB" sz="2260" dirty="0"/>
+          </a:p>
+          <a:p>
+            <a:endParaRPr lang="en-GB" sz="3108" dirty="0"/>
           </a:p>
         </p:txBody>
       </p:sp>
@@ -5348,12 +5288,12 @@
         </p:nvSpPr>
         <p:spPr>
           <a:xfrm>
-            <a:off x="33546277" y="16860319"/>
-            <a:ext cx="8790513" cy="12883080"/>
+            <a:off x="11528977" y="18360515"/>
+            <a:ext cx="18395118" cy="2651229"/>
           </a:xfrm>
           <a:prstGeom prst="roundRect">
             <a:avLst>
-              <a:gd name="adj" fmla="val 4465"/>
+              <a:gd name="adj" fmla="val 9207"/>
             </a:avLst>
           </a:prstGeom>
           <a:noFill/>
@@ -5385,51 +5325,36 @@
           <a:p>
             <a:pPr algn="ctr"/>
             <a:r>
-              <a:rPr lang="en-GB" sz="4400" dirty="0"/>
-              <a:t>Conclusion</a:t>
-            </a:r>
+              <a:rPr lang="en-GB" sz="2800" b="1" dirty="0"/>
+              <a:t>Future</a:t>
+            </a:r>
+            <a:r>
+              <a:rPr lang="en-GB" sz="3108" dirty="0"/>
+              <a:t> </a:t>
+            </a:r>
+            <a:r>
+              <a:rPr lang="en-GB" sz="2800" b="1" dirty="0"/>
+              <a:t>Work</a:t>
+            </a:r>
+            <a:endParaRPr lang="en-GB" sz="3108" b="1" dirty="0"/>
           </a:p>
           <a:p>
             <a:pPr algn="ctr"/>
-            <a:endParaRPr lang="en-GB" sz="4400" dirty="0"/>
-          </a:p>
-          <a:p>
-            <a:r>
-              <a:rPr lang="en-GB" sz="3200" dirty="0"/>
-              <a:t>Argument Mining has the potential to make research papers more digestible, natural language processing more intelligent and comparison between contrasting viewpoints more manageable. However, argument mining is still in it's infancy and cannot, at present, achieve it's theoretical potential.</a:t>
-            </a:r>
-          </a:p>
-          <a:p>
-            <a:endParaRPr lang="en-GB" sz="3200" dirty="0"/>
-          </a:p>
-          <a:p>
-            <a:r>
-              <a:rPr lang="en-GB" sz="3200" dirty="0"/>
-              <a:t>To combat this, we need to provide argument mining tools with as much information as possible. Hence, this project aimed to build an accurate periodic sentence detection algorithm, which could provide useful metadata to an argument mining algorithm in the future.</a:t>
-            </a:r>
-          </a:p>
-          <a:p>
-            <a:endParaRPr lang="en-GB" sz="3200" dirty="0"/>
-          </a:p>
-          <a:p>
-            <a:r>
-              <a:rPr lang="en-GB" sz="3200" dirty="0"/>
-              <a:t>It was hypothesised that a software tool we create could detect periodic sentences, and to an equal or better standard than that achieved by existing solutions. </a:t>
-            </a:r>
-          </a:p>
-          <a:p>
-            <a:endParaRPr lang="en-GB" sz="3200" dirty="0"/>
-          </a:p>
-          <a:p>
-            <a:r>
-              <a:rPr lang="en-GB" sz="3200" dirty="0"/>
-              <a:t>This hypothesis was proven to be accurate as we not only achieved 50% accuracy (The minimum requirement), but achieved an accuracy over 90%.</a:t>
-            </a:r>
-            <a:endParaRPr lang="en-GB" sz="4400" dirty="0"/>
+            <a:endParaRPr lang="en-GB" sz="3108" dirty="0"/>
+          </a:p>
+          <a:p>
+            <a:pPr algn="just"/>
+            <a:r>
+              <a:rPr lang="en-GB" sz="2400" dirty="0"/>
+              <a:t>Currently, the application can detect periodic sentences with a high level of accuracy. However if it was integrated into an argument mining library, the goal to advance the field of argument mining would be possible. There are many more options for expansion, such as exposing the testing suite to the user, building real-time detection into a web plugin, or distinguishing loose sentences from other types of non-periodic sentences.</a:t>
+            </a:r>
+          </a:p>
+          <a:p>
+            <a:endParaRPr lang="en-GB" sz="2400" dirty="0"/>
           </a:p>
           <a:p>
             <a:pPr algn="ctr"/>
-            <a:endParaRPr lang="en-GB" sz="3200" dirty="0"/>
+            <a:endParaRPr lang="en-GB" sz="2260" dirty="0"/>
           </a:p>
         </p:txBody>
       </p:sp>
@@ -5447,15 +5372,17 @@
         </p:nvSpPr>
         <p:spPr>
           <a:xfrm>
-            <a:off x="466971" y="2339788"/>
-            <a:ext cx="15320466" cy="19610836"/>
+            <a:off x="347555" y="1549712"/>
+            <a:ext cx="10820969" cy="2539653"/>
           </a:xfrm>
           <a:prstGeom prst="roundRect">
             <a:avLst>
-              <a:gd name="adj" fmla="val 2534"/>
+              <a:gd name="adj" fmla="val 11304"/>
             </a:avLst>
           </a:prstGeom>
-          <a:noFill/>
+          <a:solidFill>
+            <a:srgbClr val="14C6CC"/>
+          </a:solidFill>
           <a:ln w="114300">
             <a:solidFill>
               <a:srgbClr val="14C6CC"/>
@@ -5482,449 +5409,21 @@
           <a:bodyPr rtlCol="0" anchor="t"/>
           <a:lstStyle/>
           <a:p>
-            <a:pPr algn="ctr"/>
-            <a:r>
-              <a:rPr lang="en-GB" sz="4400" dirty="0"/>
-              <a:t>Summary</a:t>
-            </a:r>
-          </a:p>
-          <a:p>
-            <a:pPr algn="ctr"/>
-            <a:endParaRPr lang="en-GB" sz="4400" dirty="0"/>
-          </a:p>
-          <a:p>
-            <a:r>
-              <a:rPr lang="en-GB" sz="3200" dirty="0"/>
-              <a:t>WHAT</a:t>
-            </a:r>
-          </a:p>
-          <a:p>
-            <a:r>
-              <a:rPr lang="en-GB" sz="3200" dirty="0"/>
-              <a:t>This project aimed to create a periodic sentence detection algorithm, making use of an API to enable future work and a UI to expand the potential audience beyond computer scientists.</a:t>
-            </a:r>
-          </a:p>
-          <a:p>
-            <a:endParaRPr lang="en-GB" sz="3200" dirty="0"/>
-          </a:p>
-          <a:p>
-            <a:r>
-              <a:rPr lang="en-GB" sz="3200" dirty="0"/>
-              <a:t>HOW</a:t>
-            </a:r>
-          </a:p>
-          <a:p>
-            <a:r>
-              <a:rPr lang="en-GB" sz="3200" dirty="0"/>
-              <a:t>The application was built using Python with the Flask framework. The algorithm looks for subordinate clauses in sentences and, if they match the characteristics of a periodic sentence, will mark the sentence as periodic. It looks for these clauses in two ways: By analysing the structure of the sentence, and by looking at the first words of the sentence. The structure is shown as a tree, as depicted in the diagram of a periodic sentence below.</a:t>
-            </a:r>
-          </a:p>
-          <a:p>
-            <a:endParaRPr lang="en-GB" sz="3200" dirty="0"/>
-          </a:p>
-          <a:p>
-            <a:r>
-              <a:rPr lang="en-GB" sz="3200" dirty="0"/>
-              <a:t>KEY FINDINGS</a:t>
-            </a:r>
-          </a:p>
-          <a:p>
-            <a:r>
-              <a:rPr lang="en-GB" sz="3200" dirty="0"/>
-              <a:t>It was found that the algorithm can detect periodic sentences without context. It is also capable of detecting new sentences with a similar level of accuracy.</a:t>
-            </a:r>
-          </a:p>
-          <a:p>
-            <a:endParaRPr lang="en-GB" sz="3200" dirty="0"/>
-          </a:p>
-          <a:p>
-            <a:r>
-              <a:rPr lang="en-GB" sz="3200" dirty="0"/>
-              <a:t>RESULTS</a:t>
-            </a:r>
-          </a:p>
-          <a:p>
-            <a:r>
-              <a:rPr lang="en-GB" sz="3200" dirty="0"/>
-              <a:t>After some experimentation and subsequent adjustments, the algorithm achieved an accuracy of 94% on the test data set.</a:t>
-            </a:r>
-            <a:endParaRPr lang="en-GB" sz="3600" dirty="0"/>
-          </a:p>
-        </p:txBody>
-      </p:sp>
-      <p:grpSp>
-        <p:nvGrpSpPr>
-          <p:cNvPr id="123" name="Group 122">
-            <a:extLst>
-              <a:ext uri="{FF2B5EF4-FFF2-40B4-BE49-F238E27FC236}">
-                <a16:creationId xmlns:a16="http://schemas.microsoft.com/office/drawing/2014/main" id="{B7DF9BE3-A59E-487F-8B01-4FFD3E197C9B}"/>
-              </a:ext>
-            </a:extLst>
-          </p:cNvPr>
-          <p:cNvGrpSpPr/>
-          <p:nvPr/>
-        </p:nvGrpSpPr>
-        <p:grpSpPr>
-          <a:xfrm>
-            <a:off x="19300751" y="10146237"/>
-            <a:ext cx="10732212" cy="2474671"/>
-            <a:chOff x="24773431" y="9966219"/>
-            <a:chExt cx="10732212" cy="2474671"/>
-          </a:xfrm>
-        </p:grpSpPr>
-        <p:sp>
-          <p:nvSpPr>
-            <p:cNvPr id="12" name="Flowchart: Terminator 11">
-              <a:extLst>
-                <a:ext uri="{FF2B5EF4-FFF2-40B4-BE49-F238E27FC236}">
-                  <a16:creationId xmlns:a16="http://schemas.microsoft.com/office/drawing/2014/main" id="{3901E6BD-8FF2-4D18-8A8E-D1518DAAF9DB}"/>
-                </a:ext>
-              </a:extLst>
-            </p:cNvPr>
-            <p:cNvSpPr/>
-            <p:nvPr/>
-          </p:nvSpPr>
-          <p:spPr>
-            <a:xfrm>
-              <a:off x="28872551" y="9966219"/>
-              <a:ext cx="3194646" cy="1091796"/>
-            </a:xfrm>
-            <a:prstGeom prst="flowChartTerminator">
-              <a:avLst/>
-            </a:prstGeom>
-            <a:solidFill>
-              <a:srgbClr val="FF4061"/>
-            </a:solidFill>
-            <a:ln>
-              <a:noFill/>
-            </a:ln>
-          </p:spPr>
-          <p:style>
-            <a:lnRef idx="2">
-              <a:schemeClr val="accent1">
-                <a:shade val="50000"/>
-              </a:schemeClr>
-            </a:lnRef>
-            <a:fillRef idx="1">
-              <a:schemeClr val="accent1"/>
-            </a:fillRef>
-            <a:effectRef idx="0">
-              <a:schemeClr val="accent1"/>
-            </a:effectRef>
-            <a:fontRef idx="minor">
-              <a:schemeClr val="lt1"/>
-            </a:fontRef>
-          </p:style>
-          <p:txBody>
-            <a:bodyPr rtlCol="0" anchor="ctr"/>
-            <a:lstStyle/>
-            <a:p>
-              <a:pPr algn="ctr"/>
-              <a:r>
-                <a:rPr lang="en-GB" sz="4000" dirty="0"/>
-                <a:t>Subordinate Clause</a:t>
-              </a:r>
-            </a:p>
-          </p:txBody>
-        </p:sp>
-        <p:sp>
-          <p:nvSpPr>
-            <p:cNvPr id="13" name="Flowchart: Terminator 12">
-              <a:extLst>
-                <a:ext uri="{FF2B5EF4-FFF2-40B4-BE49-F238E27FC236}">
-                  <a16:creationId xmlns:a16="http://schemas.microsoft.com/office/drawing/2014/main" id="{0FC3409C-F93D-4ACB-9157-2E34FF1FC63D}"/>
-                </a:ext>
-              </a:extLst>
-            </p:cNvPr>
-            <p:cNvSpPr/>
-            <p:nvPr/>
-          </p:nvSpPr>
-          <p:spPr>
-            <a:xfrm>
-              <a:off x="32310997" y="9966219"/>
-              <a:ext cx="3194646" cy="1091796"/>
-            </a:xfrm>
-            <a:prstGeom prst="flowChartTerminator">
-              <a:avLst/>
-            </a:prstGeom>
-            <a:solidFill>
-              <a:srgbClr val="00FF78"/>
-            </a:solidFill>
-            <a:ln>
-              <a:noFill/>
-            </a:ln>
-          </p:spPr>
-          <p:style>
-            <a:lnRef idx="2">
-              <a:schemeClr val="accent1">
-                <a:shade val="50000"/>
-              </a:schemeClr>
-            </a:lnRef>
-            <a:fillRef idx="1">
-              <a:schemeClr val="accent1"/>
-            </a:fillRef>
-            <a:effectRef idx="0">
-              <a:schemeClr val="accent1"/>
-            </a:effectRef>
-            <a:fontRef idx="minor">
-              <a:schemeClr val="lt1"/>
-            </a:fontRef>
-          </p:style>
-          <p:txBody>
-            <a:bodyPr rtlCol="0" anchor="ctr"/>
-            <a:lstStyle/>
-            <a:p>
-              <a:pPr algn="ctr"/>
-              <a:r>
-                <a:rPr lang="en-GB" sz="4000" dirty="0">
-                  <a:solidFill>
-                    <a:schemeClr val="tx1">
-                      <a:lumMod val="95000"/>
-                      <a:lumOff val="5000"/>
-                    </a:schemeClr>
-                  </a:solidFill>
-                </a:rPr>
-                <a:t>Main Clause</a:t>
-              </a:r>
-            </a:p>
-          </p:txBody>
-        </p:sp>
-        <p:sp>
-          <p:nvSpPr>
-            <p:cNvPr id="14" name="Title 1">
-              <a:extLst>
-                <a:ext uri="{FF2B5EF4-FFF2-40B4-BE49-F238E27FC236}">
-                  <a16:creationId xmlns:a16="http://schemas.microsoft.com/office/drawing/2014/main" id="{31A87886-DC48-43BE-A87C-EF8FBD28ABA0}"/>
-                </a:ext>
-              </a:extLst>
-            </p:cNvPr>
-            <p:cNvSpPr txBox="1">
-              <a:spLocks/>
-            </p:cNvSpPr>
-            <p:nvPr/>
-          </p:nvSpPr>
-          <p:spPr>
-            <a:xfrm>
-              <a:off x="26360514" y="10102673"/>
-              <a:ext cx="2390137" cy="818886"/>
-            </a:xfrm>
-            <a:prstGeom prst="rect">
-              <a:avLst/>
-            </a:prstGeom>
-          </p:spPr>
-          <p:txBody>
-            <a:bodyPr vert="horz" lIns="91440" tIns="45720" rIns="91440" bIns="45720" rtlCol="0" anchor="b">
-              <a:noAutofit/>
-            </a:bodyPr>
-            <a:lstStyle>
-              <a:lvl1pPr algn="ctr" defTabSz="4036710" rtl="0" eaLnBrk="1" latinLnBrk="0" hangingPunct="1">
-                <a:lnSpc>
-                  <a:spcPct val="90000"/>
-                </a:lnSpc>
-                <a:spcBef>
-                  <a:spcPct val="0"/>
-                </a:spcBef>
-                <a:buNone/>
-                <a:defRPr sz="26488" kern="1200">
-                  <a:solidFill>
-                    <a:schemeClr val="tx1"/>
-                  </a:solidFill>
-                  <a:latin typeface="+mj-lt"/>
-                  <a:ea typeface="+mj-ea"/>
-                  <a:cs typeface="+mj-cs"/>
-                </a:defRPr>
-              </a:lvl1pPr>
-            </a:lstStyle>
-            <a:p>
-              <a:r>
-                <a:rPr lang="en-GB" sz="4400" dirty="0">
-                  <a:solidFill>
-                    <a:schemeClr val="bg1"/>
-                  </a:solidFill>
-                  <a:latin typeface="Nunito" panose="02000503030000020003" pitchFamily="2" charset="0"/>
-                </a:rPr>
-                <a:t>Periodic</a:t>
-              </a:r>
-            </a:p>
-          </p:txBody>
-        </p:sp>
-        <p:sp>
-          <p:nvSpPr>
-            <p:cNvPr id="15" name="Flowchart: Terminator 14">
-              <a:extLst>
-                <a:ext uri="{FF2B5EF4-FFF2-40B4-BE49-F238E27FC236}">
-                  <a16:creationId xmlns:a16="http://schemas.microsoft.com/office/drawing/2014/main" id="{F3E0E0F3-8122-4AE2-8803-449FB091590B}"/>
-                </a:ext>
-              </a:extLst>
-            </p:cNvPr>
-            <p:cNvSpPr/>
-            <p:nvPr/>
-          </p:nvSpPr>
-          <p:spPr>
-            <a:xfrm>
-              <a:off x="32310997" y="11349093"/>
-              <a:ext cx="3194646" cy="1091796"/>
-            </a:xfrm>
-            <a:prstGeom prst="flowChartTerminator">
-              <a:avLst/>
-            </a:prstGeom>
-            <a:solidFill>
-              <a:srgbClr val="FF4061"/>
-            </a:solidFill>
-            <a:ln>
-              <a:noFill/>
-            </a:ln>
-          </p:spPr>
-          <p:style>
-            <a:lnRef idx="2">
-              <a:schemeClr val="accent1">
-                <a:shade val="50000"/>
-              </a:schemeClr>
-            </a:lnRef>
-            <a:fillRef idx="1">
-              <a:schemeClr val="accent1"/>
-            </a:fillRef>
-            <a:effectRef idx="0">
-              <a:schemeClr val="accent1"/>
-            </a:effectRef>
-            <a:fontRef idx="minor">
-              <a:schemeClr val="lt1"/>
-            </a:fontRef>
-          </p:style>
-          <p:txBody>
-            <a:bodyPr rtlCol="0" anchor="ctr"/>
-            <a:lstStyle/>
-            <a:p>
-              <a:pPr algn="ctr"/>
-              <a:r>
-                <a:rPr lang="en-GB" sz="4000" dirty="0"/>
-                <a:t>Subordinate Clause</a:t>
-              </a:r>
-            </a:p>
-          </p:txBody>
-        </p:sp>
-        <p:sp>
-          <p:nvSpPr>
-            <p:cNvPr id="16" name="Flowchart: Terminator 15">
-              <a:extLst>
-                <a:ext uri="{FF2B5EF4-FFF2-40B4-BE49-F238E27FC236}">
-                  <a16:creationId xmlns:a16="http://schemas.microsoft.com/office/drawing/2014/main" id="{E87149EF-50C4-4E6A-A944-85BC9D83EC53}"/>
-                </a:ext>
-              </a:extLst>
-            </p:cNvPr>
-            <p:cNvSpPr/>
-            <p:nvPr/>
-          </p:nvSpPr>
-          <p:spPr>
-            <a:xfrm>
-              <a:off x="28872550" y="11349094"/>
-              <a:ext cx="3194646" cy="1091796"/>
-            </a:xfrm>
-            <a:prstGeom prst="flowChartTerminator">
-              <a:avLst/>
-            </a:prstGeom>
-            <a:solidFill>
-              <a:srgbClr val="00FF78"/>
-            </a:solidFill>
-            <a:ln>
-              <a:noFill/>
-            </a:ln>
-          </p:spPr>
-          <p:style>
-            <a:lnRef idx="2">
-              <a:schemeClr val="accent1">
-                <a:shade val="50000"/>
-              </a:schemeClr>
-            </a:lnRef>
-            <a:fillRef idx="1">
-              <a:schemeClr val="accent1"/>
-            </a:fillRef>
-            <a:effectRef idx="0">
-              <a:schemeClr val="accent1"/>
-            </a:effectRef>
-            <a:fontRef idx="minor">
-              <a:schemeClr val="lt1"/>
-            </a:fontRef>
-          </p:style>
-          <p:txBody>
-            <a:bodyPr rtlCol="0" anchor="ctr"/>
-            <a:lstStyle/>
-            <a:p>
-              <a:pPr algn="ctr"/>
-              <a:r>
-                <a:rPr lang="en-GB" sz="4000" dirty="0">
-                  <a:solidFill>
-                    <a:schemeClr val="tx1">
-                      <a:lumMod val="95000"/>
-                      <a:lumOff val="5000"/>
-                    </a:schemeClr>
-                  </a:solidFill>
-                </a:rPr>
-                <a:t>Main Clause</a:t>
-              </a:r>
-            </a:p>
-          </p:txBody>
-        </p:sp>
-        <p:sp>
-          <p:nvSpPr>
-            <p:cNvPr id="17" name="Title 1">
-              <a:extLst>
-                <a:ext uri="{FF2B5EF4-FFF2-40B4-BE49-F238E27FC236}">
-                  <a16:creationId xmlns:a16="http://schemas.microsoft.com/office/drawing/2014/main" id="{721EEE7B-6519-481C-8DE4-BEC01674D3C5}"/>
-                </a:ext>
-              </a:extLst>
-            </p:cNvPr>
-            <p:cNvSpPr txBox="1">
-              <a:spLocks/>
-            </p:cNvSpPr>
-            <p:nvPr/>
-          </p:nvSpPr>
-          <p:spPr>
-            <a:xfrm>
-              <a:off x="24773431" y="11652060"/>
-              <a:ext cx="4248079" cy="614306"/>
-            </a:xfrm>
-            <a:prstGeom prst="rect">
-              <a:avLst/>
-            </a:prstGeom>
-          </p:spPr>
-          <p:txBody>
-            <a:bodyPr vert="horz" lIns="91440" tIns="45720" rIns="91440" bIns="45720" rtlCol="0" anchor="b">
-              <a:noAutofit/>
-            </a:bodyPr>
-            <a:lstStyle>
-              <a:lvl1pPr algn="ctr" defTabSz="4036710" rtl="0" eaLnBrk="1" latinLnBrk="0" hangingPunct="1">
-                <a:lnSpc>
-                  <a:spcPct val="90000"/>
-                </a:lnSpc>
-                <a:spcBef>
-                  <a:spcPct val="0"/>
-                </a:spcBef>
-                <a:buNone/>
-                <a:defRPr sz="26488" kern="1200">
-                  <a:solidFill>
-                    <a:schemeClr val="tx1"/>
-                  </a:solidFill>
-                  <a:latin typeface="+mj-lt"/>
-                  <a:ea typeface="+mj-ea"/>
-                  <a:cs typeface="+mj-cs"/>
-                </a:defRPr>
-              </a:lvl1pPr>
-            </a:lstStyle>
-            <a:p>
-              <a:r>
-                <a:rPr lang="en-GB" sz="4800" dirty="0">
-                  <a:solidFill>
-                    <a:schemeClr val="bg1"/>
-                  </a:solidFill>
-                  <a:latin typeface="Nunito" panose="02000503030000020003" pitchFamily="2" charset="0"/>
-                </a:rPr>
-                <a:t>Not periodic</a:t>
-              </a:r>
-            </a:p>
-          </p:txBody>
-        </p:sp>
-      </p:grpSp>
+            <a:pPr algn="just"/>
+            <a:r>
+              <a:rPr lang="en-GB" sz="2400" dirty="0">
+                <a:solidFill>
+                  <a:schemeClr val="tx1"/>
+                </a:solidFill>
+              </a:rPr>
+              <a:t>The aim of this project was to create a periodic sentence detection algorithm that makes use of an API to enable future work and a UI to expand the potential audience. The application was built using Python with the Flask framework. It looks at a list of sentences for characteristics of a periodic sentence and marks each one as periodic or non-periodic. The algorithm achieved an accuracy of 94% on the test data set.</a:t>
+            </a:r>
+          </a:p>
+          <a:p>
+            <a:endParaRPr lang="en-GB" sz="2400" dirty="0"/>
+          </a:p>
+        </p:txBody>
+      </p:sp>
       <p:pic>
         <p:nvPicPr>
           <p:cNvPr id="127" name="Picture 126">
@@ -5953,8 +5452,8 @@
         </p:blipFill>
         <p:spPr>
           <a:xfrm>
-            <a:off x="2424204" y="13380511"/>
-            <a:ext cx="11405999" cy="8373519"/>
+            <a:off x="21650977" y="3032480"/>
+            <a:ext cx="7819164" cy="5740306"/>
           </a:xfrm>
           <a:prstGeom prst="rect">
             <a:avLst/>
@@ -5976,14 +5475,14 @@
           <p:nvPr>
             <p:extLst>
               <p:ext uri="{D42A27DB-BD31-4B8C-83A1-F6EECF244321}">
-                <p14:modId xmlns:p14="http://schemas.microsoft.com/office/powerpoint/2010/main" val="1230310205"/>
+                <p14:modId xmlns:p14="http://schemas.microsoft.com/office/powerpoint/2010/main" val="3991661343"/>
               </p:ext>
             </p:extLst>
           </p:nvPr>
         </p:nvGraphicFramePr>
         <p:xfrm>
-          <a:off x="16473633" y="24270322"/>
-          <a:ext cx="7976713" cy="4952209"/>
+          <a:off x="22477246" y="10050643"/>
+          <a:ext cx="7102548" cy="4582815"/>
         </p:xfrm>
         <a:graphic>
           <a:graphicData uri="http://schemas.openxmlformats.org/drawingml/2006/chart">
@@ -6006,14 +5505,14 @@
           <p:nvPr>
             <p:extLst>
               <p:ext uri="{D42A27DB-BD31-4B8C-83A1-F6EECF244321}">
-                <p14:modId xmlns:p14="http://schemas.microsoft.com/office/powerpoint/2010/main" val="3860215846"/>
+                <p14:modId xmlns:p14="http://schemas.microsoft.com/office/powerpoint/2010/main" val="4140640920"/>
               </p:ext>
             </p:extLst>
           </p:nvPr>
         </p:nvGraphicFramePr>
         <p:xfrm>
-          <a:off x="24450346" y="24270322"/>
-          <a:ext cx="8530120" cy="4952209"/>
+          <a:off x="11716424" y="13221650"/>
+          <a:ext cx="7238791" cy="4582815"/>
         </p:xfrm>
         <a:graphic>
           <a:graphicData uri="http://schemas.openxmlformats.org/drawingml/2006/chart">
@@ -6021,6 +5520,693 @@
           </a:graphicData>
         </a:graphic>
       </p:graphicFrame>
+      <p:sp>
+        <p:nvSpPr>
+          <p:cNvPr id="11" name="TextBox 10">
+            <a:extLst>
+              <a:ext uri="{FF2B5EF4-FFF2-40B4-BE49-F238E27FC236}">
+                <a16:creationId xmlns:a16="http://schemas.microsoft.com/office/drawing/2014/main" id="{90097B61-EA38-4124-AA21-0E360C36E1FB}"/>
+              </a:ext>
+            </a:extLst>
+          </p:cNvPr>
+          <p:cNvSpPr txBox="1"/>
+          <p:nvPr/>
+        </p:nvSpPr>
+        <p:spPr>
+          <a:xfrm>
+            <a:off x="11656744" y="2630489"/>
+            <a:ext cx="9633774" cy="6647974"/>
+          </a:xfrm>
+          <a:prstGeom prst="rect">
+            <a:avLst/>
+          </a:prstGeom>
+          <a:noFill/>
+        </p:spPr>
+        <p:txBody>
+          <a:bodyPr wrap="square" rtlCol="0">
+            <a:spAutoFit/>
+          </a:bodyPr>
+          <a:lstStyle/>
+          <a:p>
+            <a:pPr algn="just"/>
+            <a:r>
+              <a:rPr lang="en-GB" sz="2400" dirty="0">
+                <a:solidFill>
+                  <a:schemeClr val="bg1"/>
+                </a:solidFill>
+              </a:rPr>
+              <a:t>The defining characteristic of a periodic sentence is that it starts with a subordinate clause, so if the algorithm finds evidence of a subordinate clause towards the start of each sentence, it labels the sentence as periodic.</a:t>
+            </a:r>
+          </a:p>
+          <a:p>
+            <a:pPr algn="just"/>
+            <a:endParaRPr lang="en-GB" sz="2400" dirty="0">
+              <a:solidFill>
+                <a:schemeClr val="bg1"/>
+              </a:solidFill>
+            </a:endParaRPr>
+          </a:p>
+          <a:p>
+            <a:pPr algn="just"/>
+            <a:r>
+              <a:rPr lang="en-GB" sz="2400" dirty="0">
+                <a:solidFill>
+                  <a:schemeClr val="bg1"/>
+                </a:solidFill>
+              </a:rPr>
+              <a:t>To do this, the algorithm first looks for ‘S’ or ‘SBAR’ tags attached to clauses near the start of the sentence. These are indicators of a subordinate clause when using the Penn Treebank. If one of these tags is found in a position that would indicate a periodic sentence, the algorithm sets the sentence’s periodic attribute to True.</a:t>
+            </a:r>
+          </a:p>
+          <a:p>
+            <a:pPr algn="just"/>
+            <a:endParaRPr lang="en-GB" sz="2400" dirty="0">
+              <a:solidFill>
+                <a:schemeClr val="bg1"/>
+              </a:solidFill>
+            </a:endParaRPr>
+          </a:p>
+          <a:p>
+            <a:pPr algn="just"/>
+            <a:r>
+              <a:rPr lang="en-GB" sz="2400" dirty="0">
+                <a:solidFill>
+                  <a:schemeClr val="bg1"/>
+                </a:solidFill>
+              </a:rPr>
+              <a:t>In addition, the algorithm will look for a subordinating conjunctive (Represented by the ‘IN’ POS tag). These words are found at the start of a subordinate clause, so if one can be found in the first few words of the sentence, we can call it periodic.</a:t>
+            </a:r>
+          </a:p>
+          <a:p>
+            <a:pPr algn="just"/>
+            <a:endParaRPr lang="en-GB" sz="2400" dirty="0">
+              <a:solidFill>
+                <a:schemeClr val="bg1"/>
+              </a:solidFill>
+            </a:endParaRPr>
+          </a:p>
+          <a:p>
+            <a:pPr algn="just"/>
+            <a:r>
+              <a:rPr lang="en-GB" sz="2400" dirty="0">
+                <a:solidFill>
+                  <a:schemeClr val="bg1"/>
+                </a:solidFill>
+              </a:rPr>
+              <a:t>Finally, the algorithm returns the list of annotated sentences to the UI or the caller of the API, as HTML or JSON/Pickle respectively.</a:t>
+            </a:r>
+          </a:p>
+          <a:p>
+            <a:pPr algn="just"/>
+            <a:endParaRPr lang="en-GB" dirty="0"/>
+          </a:p>
+        </p:txBody>
+      </p:sp>
+      <p:cxnSp>
+        <p:nvCxnSpPr>
+          <p:cNvPr id="19" name="Straight Arrow Connector 18">
+            <a:extLst>
+              <a:ext uri="{FF2B5EF4-FFF2-40B4-BE49-F238E27FC236}">
+                <a16:creationId xmlns:a16="http://schemas.microsoft.com/office/drawing/2014/main" id="{DEF00D02-B558-4675-97F0-A384488E6A5F}"/>
+              </a:ext>
+            </a:extLst>
+          </p:cNvPr>
+          <p:cNvCxnSpPr/>
+          <p:nvPr/>
+        </p:nvCxnSpPr>
+        <p:spPr>
+          <a:xfrm>
+            <a:off x="21960557" y="3171814"/>
+            <a:ext cx="747043" cy="559605"/>
+          </a:xfrm>
+          <a:prstGeom prst="straightConnector1">
+            <a:avLst/>
+          </a:prstGeom>
+          <a:ln w="76200">
+            <a:solidFill>
+              <a:srgbClr val="00FF78"/>
+            </a:solidFill>
+            <a:tailEnd type="triangle"/>
+          </a:ln>
+        </p:spPr>
+        <p:style>
+          <a:lnRef idx="1">
+            <a:schemeClr val="accent1"/>
+          </a:lnRef>
+          <a:fillRef idx="0">
+            <a:schemeClr val="accent1"/>
+          </a:fillRef>
+          <a:effectRef idx="0">
+            <a:schemeClr val="accent1"/>
+          </a:effectRef>
+          <a:fontRef idx="minor">
+            <a:schemeClr val="tx1"/>
+          </a:fontRef>
+        </p:style>
+      </p:cxnSp>
+      <p:cxnSp>
+        <p:nvCxnSpPr>
+          <p:cNvPr id="30" name="Straight Arrow Connector 29">
+            <a:extLst>
+              <a:ext uri="{FF2B5EF4-FFF2-40B4-BE49-F238E27FC236}">
+                <a16:creationId xmlns:a16="http://schemas.microsoft.com/office/drawing/2014/main" id="{8FE08445-A02D-4FF2-9974-293D13EFB038}"/>
+              </a:ext>
+            </a:extLst>
+          </p:cNvPr>
+          <p:cNvCxnSpPr>
+            <a:cxnSpLocks/>
+          </p:cNvCxnSpPr>
+          <p:nvPr/>
+        </p:nvCxnSpPr>
+        <p:spPr>
+          <a:xfrm flipH="1">
+            <a:off x="24041101" y="3260649"/>
+            <a:ext cx="209549" cy="1015598"/>
+          </a:xfrm>
+          <a:prstGeom prst="straightConnector1">
+            <a:avLst/>
+          </a:prstGeom>
+          <a:ln w="76200">
+            <a:solidFill>
+              <a:srgbClr val="00FF78"/>
+            </a:solidFill>
+            <a:tailEnd type="triangle"/>
+          </a:ln>
+        </p:spPr>
+        <p:style>
+          <a:lnRef idx="1">
+            <a:schemeClr val="accent1"/>
+          </a:lnRef>
+          <a:fillRef idx="0">
+            <a:schemeClr val="accent1"/>
+          </a:fillRef>
+          <a:effectRef idx="0">
+            <a:schemeClr val="accent1"/>
+          </a:effectRef>
+          <a:fontRef idx="minor">
+            <a:schemeClr val="tx1"/>
+          </a:fontRef>
+        </p:style>
+      </p:cxnSp>
+      <p:sp>
+        <p:nvSpPr>
+          <p:cNvPr id="2" name="Title 1">
+            <a:extLst>
+              <a:ext uri="{FF2B5EF4-FFF2-40B4-BE49-F238E27FC236}">
+                <a16:creationId xmlns:a16="http://schemas.microsoft.com/office/drawing/2014/main" id="{9F22B22F-A0FC-44E6-AED7-919B1270F04A}"/>
+              </a:ext>
+            </a:extLst>
+          </p:cNvPr>
+          <p:cNvSpPr>
+            <a:spLocks noGrp="1"/>
+          </p:cNvSpPr>
+          <p:nvPr>
+            <p:ph type="ctrTitle"/>
+          </p:nvPr>
+        </p:nvSpPr>
+        <p:spPr>
+          <a:xfrm>
+            <a:off x="3572747" y="203508"/>
+            <a:ext cx="22344598" cy="993022"/>
+          </a:xfrm>
+        </p:spPr>
+        <p:txBody>
+          <a:bodyPr>
+            <a:noAutofit/>
+          </a:bodyPr>
+          <a:lstStyle/>
+          <a:p>
+            <a:pPr algn="l"/>
+            <a:r>
+              <a:rPr lang="en-GB" sz="5650" dirty="0">
+                <a:solidFill>
+                  <a:schemeClr val="bg1"/>
+                </a:solidFill>
+                <a:latin typeface="Nunito" panose="02000503030000020003" pitchFamily="2" charset="0"/>
+              </a:rPr>
+              <a:t>Detecting Periodic Sentences For The Purposes Of Argument Mining</a:t>
+            </a:r>
+          </a:p>
+        </p:txBody>
+      </p:sp>
+      <p:sp>
+        <p:nvSpPr>
+          <p:cNvPr id="38" name="Rectangle: Rounded Corners 37">
+            <a:extLst>
+              <a:ext uri="{FF2B5EF4-FFF2-40B4-BE49-F238E27FC236}">
+                <a16:creationId xmlns:a16="http://schemas.microsoft.com/office/drawing/2014/main" id="{C3074588-0A2B-4B05-9087-377D02FD9A6D}"/>
+              </a:ext>
+            </a:extLst>
+          </p:cNvPr>
+          <p:cNvSpPr/>
+          <p:nvPr/>
+        </p:nvSpPr>
+        <p:spPr>
+          <a:xfrm>
+            <a:off x="1392990" y="9102905"/>
+            <a:ext cx="6078696" cy="1197044"/>
+          </a:xfrm>
+          <a:prstGeom prst="roundRect">
+            <a:avLst>
+              <a:gd name="adj" fmla="val 50000"/>
+            </a:avLst>
+          </a:prstGeom>
+          <a:solidFill>
+            <a:srgbClr val="00FF78"/>
+          </a:solidFill>
+          <a:ln>
+            <a:noFill/>
+          </a:ln>
+        </p:spPr>
+        <p:style>
+          <a:lnRef idx="2">
+            <a:schemeClr val="accent1">
+              <a:shade val="50000"/>
+            </a:schemeClr>
+          </a:lnRef>
+          <a:fillRef idx="1">
+            <a:schemeClr val="accent1"/>
+          </a:fillRef>
+          <a:effectRef idx="0">
+            <a:schemeClr val="accent1"/>
+          </a:effectRef>
+          <a:fontRef idx="minor">
+            <a:schemeClr val="lt1"/>
+          </a:fontRef>
+        </p:style>
+        <p:txBody>
+          <a:bodyPr rtlCol="0" anchor="ctr"/>
+          <a:lstStyle/>
+          <a:p>
+            <a:pPr algn="ctr"/>
+            <a:r>
+              <a:rPr lang="en-GB" sz="2800" b="1" dirty="0">
+                <a:solidFill>
+                  <a:schemeClr val="tx1"/>
+                </a:solidFill>
+              </a:rPr>
+              <a:t>Subordinate Clause</a:t>
+            </a:r>
+          </a:p>
+          <a:p>
+            <a:pPr algn="ctr"/>
+            <a:r>
+              <a:rPr lang="en-GB" sz="2400" dirty="0">
+                <a:solidFill>
+                  <a:schemeClr val="tx1"/>
+                </a:solidFill>
+              </a:rPr>
+              <a:t>When I was shopping in town yesterday, </a:t>
+            </a:r>
+          </a:p>
+        </p:txBody>
+      </p:sp>
+      <p:sp>
+        <p:nvSpPr>
+          <p:cNvPr id="47" name="Rectangle: Rounded Corners 46">
+            <a:extLst>
+              <a:ext uri="{FF2B5EF4-FFF2-40B4-BE49-F238E27FC236}">
+                <a16:creationId xmlns:a16="http://schemas.microsoft.com/office/drawing/2014/main" id="{EC27DEF2-7D0F-43A8-B3FE-3CBC548A72EE}"/>
+              </a:ext>
+            </a:extLst>
+          </p:cNvPr>
+          <p:cNvSpPr/>
+          <p:nvPr/>
+        </p:nvSpPr>
+        <p:spPr>
+          <a:xfrm>
+            <a:off x="7599448" y="9094046"/>
+            <a:ext cx="2523639" cy="1197043"/>
+          </a:xfrm>
+          <a:prstGeom prst="roundRect">
+            <a:avLst>
+              <a:gd name="adj" fmla="val 50000"/>
+            </a:avLst>
+          </a:prstGeom>
+          <a:solidFill>
+            <a:srgbClr val="FF4061"/>
+          </a:solidFill>
+          <a:ln>
+            <a:noFill/>
+          </a:ln>
+        </p:spPr>
+        <p:style>
+          <a:lnRef idx="2">
+            <a:schemeClr val="accent1">
+              <a:shade val="50000"/>
+            </a:schemeClr>
+          </a:lnRef>
+          <a:fillRef idx="1">
+            <a:schemeClr val="accent1"/>
+          </a:fillRef>
+          <a:effectRef idx="0">
+            <a:schemeClr val="accent1"/>
+          </a:effectRef>
+          <a:fontRef idx="minor">
+            <a:schemeClr val="lt1"/>
+          </a:fontRef>
+        </p:style>
+        <p:txBody>
+          <a:bodyPr rtlCol="0" anchor="ctr"/>
+          <a:lstStyle/>
+          <a:p>
+            <a:pPr algn="ctr"/>
+            <a:r>
+              <a:rPr lang="en-GB" sz="2800" b="1" dirty="0">
+                <a:solidFill>
+                  <a:schemeClr val="bg1"/>
+                </a:solidFill>
+              </a:rPr>
+              <a:t>Main Clause</a:t>
+            </a:r>
+          </a:p>
+          <a:p>
+            <a:pPr algn="ctr"/>
+            <a:r>
+              <a:rPr lang="en-GB" sz="2400" dirty="0">
+                <a:solidFill>
+                  <a:schemeClr val="bg1"/>
+                </a:solidFill>
+              </a:rPr>
+              <a:t>I saw Rachel.</a:t>
+            </a:r>
+          </a:p>
+        </p:txBody>
+      </p:sp>
+      <p:sp>
+        <p:nvSpPr>
+          <p:cNvPr id="40" name="TextBox 39">
+            <a:extLst>
+              <a:ext uri="{FF2B5EF4-FFF2-40B4-BE49-F238E27FC236}">
+                <a16:creationId xmlns:a16="http://schemas.microsoft.com/office/drawing/2014/main" id="{32926356-59BA-4B48-A069-E868D7A70B5C}"/>
+              </a:ext>
+            </a:extLst>
+          </p:cNvPr>
+          <p:cNvSpPr txBox="1"/>
+          <p:nvPr/>
+        </p:nvSpPr>
+        <p:spPr>
+          <a:xfrm>
+            <a:off x="11858385" y="10574111"/>
+            <a:ext cx="9934553" cy="2308324"/>
+          </a:xfrm>
+          <a:prstGeom prst="rect">
+            <a:avLst/>
+          </a:prstGeom>
+          <a:noFill/>
+        </p:spPr>
+        <p:txBody>
+          <a:bodyPr wrap="square" rtlCol="0">
+            <a:spAutoFit/>
+          </a:bodyPr>
+          <a:lstStyle/>
+          <a:p>
+            <a:pPr algn="just"/>
+            <a:r>
+              <a:rPr lang="en-GB" sz="2400" dirty="0">
+                <a:solidFill>
+                  <a:schemeClr val="bg1"/>
+                </a:solidFill>
+              </a:rPr>
+              <a:t>The dataset is split into a set of periodic sentences and a set of non-periodic sentences. When running in test mode, the algorithm will go through each sentence and predict whether they are periodic or not, giving itself a 'point' if it is correct. The application then calculates the percentage of periodic sentences correctly predicted as periodic, the percentage of non-periodic sentences predicted as non-periodic and the run time.</a:t>
+            </a:r>
+          </a:p>
+        </p:txBody>
+      </p:sp>
+      <p:sp>
+        <p:nvSpPr>
+          <p:cNvPr id="41" name="TextBox 40">
+            <a:extLst>
+              <a:ext uri="{FF2B5EF4-FFF2-40B4-BE49-F238E27FC236}">
+                <a16:creationId xmlns:a16="http://schemas.microsoft.com/office/drawing/2014/main" id="{20B89575-EF35-49B7-B325-A1D29C535080}"/>
+              </a:ext>
+            </a:extLst>
+          </p:cNvPr>
+          <p:cNvSpPr txBox="1"/>
+          <p:nvPr/>
+        </p:nvSpPr>
+        <p:spPr>
+          <a:xfrm>
+            <a:off x="20233761" y="14497553"/>
+            <a:ext cx="9346033" cy="2954655"/>
+          </a:xfrm>
+          <a:prstGeom prst="rect">
+            <a:avLst/>
+          </a:prstGeom>
+          <a:noFill/>
+        </p:spPr>
+        <p:txBody>
+          <a:bodyPr wrap="square" rtlCol="0">
+            <a:spAutoFit/>
+          </a:bodyPr>
+          <a:lstStyle/>
+          <a:p>
+            <a:pPr algn="just"/>
+            <a:endParaRPr lang="en-GB" sz="2400" dirty="0">
+              <a:solidFill>
+                <a:schemeClr val="bg1"/>
+              </a:solidFill>
+            </a:endParaRPr>
+          </a:p>
+          <a:p>
+            <a:pPr algn="just"/>
+            <a:r>
+              <a:rPr lang="en-GB" sz="2400" dirty="0">
+                <a:solidFill>
+                  <a:schemeClr val="bg1"/>
+                </a:solidFill>
+              </a:rPr>
+              <a:t>This approach allowed the success of each prototype to be measured, and the separate accuracy scores for periodic and non-periodic detection made narrowing down issues easier. After each experiment, the results were recorded and a hypothesis was made suggesting the next steps to improve it further. The graphs below show the improvement with each prototype.</a:t>
+            </a:r>
+          </a:p>
+          <a:p>
+            <a:pPr algn="just"/>
+            <a:endParaRPr lang="en-GB" dirty="0"/>
+          </a:p>
+        </p:txBody>
+      </p:sp>
+      <p:grpSp>
+        <p:nvGrpSpPr>
+          <p:cNvPr id="48" name="Group 47">
+            <a:extLst>
+              <a:ext uri="{FF2B5EF4-FFF2-40B4-BE49-F238E27FC236}">
+                <a16:creationId xmlns:a16="http://schemas.microsoft.com/office/drawing/2014/main" id="{7DA1108B-2A86-4E95-B712-4F1A85902345}"/>
+              </a:ext>
+            </a:extLst>
+          </p:cNvPr>
+          <p:cNvGrpSpPr/>
+          <p:nvPr/>
+        </p:nvGrpSpPr>
+        <p:grpSpPr>
+          <a:xfrm>
+            <a:off x="683391" y="19968096"/>
+            <a:ext cx="10153281" cy="461665"/>
+            <a:chOff x="673768" y="19900719"/>
+            <a:chExt cx="10153281" cy="461665"/>
+          </a:xfrm>
+        </p:grpSpPr>
+        <p:sp>
+          <p:nvSpPr>
+            <p:cNvPr id="54" name="Rectangle: Top Corners Rounded 53">
+              <a:extLst>
+                <a:ext uri="{FF2B5EF4-FFF2-40B4-BE49-F238E27FC236}">
+                  <a16:creationId xmlns:a16="http://schemas.microsoft.com/office/drawing/2014/main" id="{B37A6BE1-0C11-48D0-A6F9-AB0982A4FE68}"/>
+                </a:ext>
+              </a:extLst>
+            </p:cNvPr>
+            <p:cNvSpPr/>
+            <p:nvPr/>
+          </p:nvSpPr>
+          <p:spPr>
+            <a:xfrm rot="5400000">
+              <a:off x="10186491" y="19721828"/>
+              <a:ext cx="461665" cy="819448"/>
+            </a:xfrm>
+            <a:prstGeom prst="round2SameRect">
+              <a:avLst>
+                <a:gd name="adj1" fmla="val 50000"/>
+                <a:gd name="adj2" fmla="val 0"/>
+              </a:avLst>
+            </a:prstGeom>
+            <a:solidFill>
+              <a:srgbClr val="FF4061"/>
+            </a:solidFill>
+            <a:ln>
+              <a:solidFill>
+                <a:srgbClr val="FF4061"/>
+              </a:solidFill>
+            </a:ln>
+          </p:spPr>
+          <p:style>
+            <a:lnRef idx="2">
+              <a:schemeClr val="accent1">
+                <a:shade val="50000"/>
+              </a:schemeClr>
+            </a:lnRef>
+            <a:fillRef idx="1">
+              <a:schemeClr val="accent1"/>
+            </a:fillRef>
+            <a:effectRef idx="0">
+              <a:schemeClr val="accent1"/>
+            </a:effectRef>
+            <a:fontRef idx="minor">
+              <a:schemeClr val="lt1"/>
+            </a:fontRef>
+          </p:style>
+          <p:txBody>
+            <a:bodyPr rtlCol="0" anchor="ctr"/>
+            <a:lstStyle/>
+            <a:p>
+              <a:pPr algn="ctr"/>
+              <a:endParaRPr lang="en-GB"/>
+            </a:p>
+          </p:txBody>
+        </p:sp>
+        <p:sp>
+          <p:nvSpPr>
+            <p:cNvPr id="46" name="Rectangle: Rounded Corners 45">
+              <a:extLst>
+                <a:ext uri="{FF2B5EF4-FFF2-40B4-BE49-F238E27FC236}">
+                  <a16:creationId xmlns:a16="http://schemas.microsoft.com/office/drawing/2014/main" id="{CBF6BF39-6E08-4DE6-9E98-90E1E6F45ED3}"/>
+                </a:ext>
+              </a:extLst>
+            </p:cNvPr>
+            <p:cNvSpPr/>
+            <p:nvPr/>
+          </p:nvSpPr>
+          <p:spPr>
+            <a:xfrm>
+              <a:off x="673768" y="19900719"/>
+              <a:ext cx="9670382" cy="461665"/>
+            </a:xfrm>
+            <a:prstGeom prst="roundRect">
+              <a:avLst>
+                <a:gd name="adj" fmla="val 50000"/>
+              </a:avLst>
+            </a:prstGeom>
+            <a:solidFill>
+              <a:srgbClr val="00FF78"/>
+            </a:solidFill>
+            <a:ln>
+              <a:solidFill>
+                <a:srgbClr val="00FF78"/>
+              </a:solidFill>
+            </a:ln>
+          </p:spPr>
+          <p:style>
+            <a:lnRef idx="2">
+              <a:schemeClr val="accent1">
+                <a:shade val="50000"/>
+              </a:schemeClr>
+            </a:lnRef>
+            <a:fillRef idx="1">
+              <a:schemeClr val="accent1"/>
+            </a:fillRef>
+            <a:effectRef idx="0">
+              <a:schemeClr val="accent1"/>
+            </a:effectRef>
+            <a:fontRef idx="minor">
+              <a:schemeClr val="lt1"/>
+            </a:fontRef>
+          </p:style>
+          <p:txBody>
+            <a:bodyPr rtlCol="0" anchor="ctr"/>
+            <a:lstStyle/>
+            <a:p>
+              <a:pPr algn="ctr"/>
+              <a:endParaRPr lang="en-GB"/>
+            </a:p>
+          </p:txBody>
+        </p:sp>
+        <p:sp>
+          <p:nvSpPr>
+            <p:cNvPr id="44" name="TextBox 43">
+              <a:extLst>
+                <a:ext uri="{FF2B5EF4-FFF2-40B4-BE49-F238E27FC236}">
+                  <a16:creationId xmlns:a16="http://schemas.microsoft.com/office/drawing/2014/main" id="{A5ED8116-1317-4A7B-B785-467FA2058FB9}"/>
+                </a:ext>
+              </a:extLst>
+            </p:cNvPr>
+            <p:cNvSpPr txBox="1"/>
+            <p:nvPr/>
+          </p:nvSpPr>
+          <p:spPr>
+            <a:xfrm>
+              <a:off x="673769" y="19900719"/>
+              <a:ext cx="10153280" cy="461665"/>
+            </a:xfrm>
+            <a:prstGeom prst="rect">
+              <a:avLst/>
+            </a:prstGeom>
+            <a:noFill/>
+          </p:spPr>
+          <p:txBody>
+            <a:bodyPr wrap="square" rtlCol="0">
+              <a:spAutoFit/>
+            </a:bodyPr>
+            <a:lstStyle/>
+            <a:p>
+              <a:pPr algn="ctr"/>
+              <a:r>
+                <a:rPr lang="en-GB" sz="2400" b="1" dirty="0"/>
+                <a:t>95% accurate</a:t>
+              </a:r>
+            </a:p>
+          </p:txBody>
+        </p:sp>
+      </p:grpSp>
+      <p:sp>
+        <p:nvSpPr>
+          <p:cNvPr id="3" name="TextBox 2">
+            <a:extLst>
+              <a:ext uri="{FF2B5EF4-FFF2-40B4-BE49-F238E27FC236}">
+                <a16:creationId xmlns:a16="http://schemas.microsoft.com/office/drawing/2014/main" id="{05A01F96-E376-4836-B525-0C991257DEA4}"/>
+              </a:ext>
+            </a:extLst>
+          </p:cNvPr>
+          <p:cNvSpPr txBox="1"/>
+          <p:nvPr/>
+        </p:nvSpPr>
+        <p:spPr>
+          <a:xfrm>
+            <a:off x="26783071" y="203508"/>
+            <a:ext cx="3141024" cy="1077218"/>
+          </a:xfrm>
+          <a:prstGeom prst="rect">
+            <a:avLst/>
+          </a:prstGeom>
+          <a:noFill/>
+        </p:spPr>
+        <p:txBody>
+          <a:bodyPr wrap="square" rtlCol="0">
+            <a:spAutoFit/>
+          </a:bodyPr>
+          <a:lstStyle/>
+          <a:p>
+            <a:pPr algn="r"/>
+            <a:r>
+              <a:rPr lang="en-GB" sz="3200" dirty="0">
+                <a:solidFill>
+                  <a:schemeClr val="bg1"/>
+                </a:solidFill>
+                <a:latin typeface="Nunito" panose="02000503030000020003" pitchFamily="2" charset="0"/>
+              </a:rPr>
+              <a:t>David Frame</a:t>
+            </a:r>
+          </a:p>
+          <a:p>
+            <a:pPr algn="r"/>
+            <a:r>
+              <a:rPr lang="en-GB" sz="3200" dirty="0">
+                <a:solidFill>
+                  <a:schemeClr val="bg1"/>
+                </a:solidFill>
+                <a:latin typeface="Nunito" panose="02000503030000020003" pitchFamily="2" charset="0"/>
+              </a:rPr>
+              <a:t>40200819</a:t>
+            </a:r>
+          </a:p>
+        </p:txBody>
+      </p:sp>
     </p:spTree>
     <p:extLst>
       <p:ext uri="{BB962C8B-B14F-4D97-AF65-F5344CB8AC3E}">
